--- a/PPTs/3.8 Evolution of Transport Layer Functionality.pptx
+++ b/PPTs/3.8 Evolution of Transport Layer Functionality.pptx
@@ -207,7 +207,7 @@
           <a:p>
             <a:fld id="{D153024D-5FCD-D142-BBE1-7B391F60AD88}" type="datetimeFigureOut">
               <a:rPr lang="en-US" smtClean="0"/>
-              <a:t>9/6/2024</a:t>
+              <a:t>9/23/2024</a:t>
             </a:fld>
             <a:endParaRPr lang="en-US" dirty="0"/>
           </a:p>
@@ -4529,12 +4529,12 @@
             <a:effectLst/>
             <a:extLst>
               <a:ext uri="{909E8E84-426E-40dd-AFC4-6F175D3DCCD1}">
-                <a14:hiddenFill xmlns:a14="http://schemas.microsoft.com/office/drawing/2010/main" xmlns="">
+                <a14:hiddenFill xmlns="" xmlns:a14="http://schemas.microsoft.com/office/drawing/2010/main">
                   <a:noFill/>
                 </a14:hiddenFill>
               </a:ext>
               <a:ext uri="{AF507438-7753-43e0-B8FC-AC1667EBCBE1}">
-                <a14:hiddenEffects xmlns:a14="http://schemas.microsoft.com/office/drawing/2010/main" xmlns="">
+                <a14:hiddenEffects xmlns="" xmlns:a14="http://schemas.microsoft.com/office/drawing/2010/main">
                   <a:effectLst>
                     <a:outerShdw blurRad="63500" dist="38099" dir="2700000" algn="ctr" rotWithShape="0">
                       <a:schemeClr val="bg2">
@@ -4618,12 +4618,12 @@
             <a:effectLst/>
             <a:extLst>
               <a:ext uri="{909E8E84-426E-40dd-AFC4-6F175D3DCCD1}">
-                <a14:hiddenFill xmlns:a14="http://schemas.microsoft.com/office/drawing/2010/main" xmlns="">
+                <a14:hiddenFill xmlns="" xmlns:a14="http://schemas.microsoft.com/office/drawing/2010/main">
                   <a:noFill/>
                 </a14:hiddenFill>
               </a:ext>
               <a:ext uri="{AF507438-7753-43e0-B8FC-AC1667EBCBE1}">
-                <a14:hiddenEffects xmlns:a14="http://schemas.microsoft.com/office/drawing/2010/main" xmlns="">
+                <a14:hiddenEffects xmlns="" xmlns:a14="http://schemas.microsoft.com/office/drawing/2010/main">
                   <a:effectLst>
                     <a:outerShdw blurRad="63500" dist="38099" dir="2700000" algn="ctr" rotWithShape="0">
                       <a:schemeClr val="bg2">
@@ -4707,12 +4707,12 @@
             <a:effectLst/>
             <a:extLst>
               <a:ext uri="{909E8E84-426E-40dd-AFC4-6F175D3DCCD1}">
-                <a14:hiddenFill xmlns:a14="http://schemas.microsoft.com/office/drawing/2010/main" xmlns="">
+                <a14:hiddenFill xmlns="" xmlns:a14="http://schemas.microsoft.com/office/drawing/2010/main">
                   <a:noFill/>
                 </a14:hiddenFill>
               </a:ext>
               <a:ext uri="{AF507438-7753-43e0-B8FC-AC1667EBCBE1}">
-                <a14:hiddenEffects xmlns:a14="http://schemas.microsoft.com/office/drawing/2010/main" xmlns="">
+                <a14:hiddenEffects xmlns="" xmlns:a14="http://schemas.microsoft.com/office/drawing/2010/main">
                   <a:effectLst>
                     <a:outerShdw blurRad="63500" dist="38099" dir="2700000" algn="ctr" rotWithShape="0">
                       <a:schemeClr val="bg2">
@@ -4796,12 +4796,12 @@
             <a:effectLst/>
             <a:extLst>
               <a:ext uri="{909E8E84-426E-40dd-AFC4-6F175D3DCCD1}">
-                <a14:hiddenFill xmlns:a14="http://schemas.microsoft.com/office/drawing/2010/main" xmlns="">
+                <a14:hiddenFill xmlns="" xmlns:a14="http://schemas.microsoft.com/office/drawing/2010/main">
                   <a:noFill/>
                 </a14:hiddenFill>
               </a:ext>
               <a:ext uri="{AF507438-7753-43e0-B8FC-AC1667EBCBE1}">
-                <a14:hiddenEffects xmlns:a14="http://schemas.microsoft.com/office/drawing/2010/main" xmlns="">
+                <a14:hiddenEffects xmlns="" xmlns:a14="http://schemas.microsoft.com/office/drawing/2010/main">
                   <a:effectLst>
                     <a:outerShdw blurRad="63500" dist="38099" dir="2700000" algn="ctr" rotWithShape="0">
                       <a:schemeClr val="bg2">
@@ -4880,14 +4880,14 @@
             <a:effectLst/>
             <a:extLst>
               <a:ext uri="{909E8E84-426E-40dd-AFC4-6F175D3DCCD1}">
-                <a14:hiddenFill xmlns:a14="http://schemas.microsoft.com/office/drawing/2010/main" xmlns="">
+                <a14:hiddenFill xmlns="" xmlns:a14="http://schemas.microsoft.com/office/drawing/2010/main">
                   <a:solidFill>
                     <a:schemeClr val="accent1"/>
                   </a:solidFill>
                 </a14:hiddenFill>
               </a:ext>
               <a:ext uri="{91240B29-F687-4f45-9708-019B960494DF}">
-                <a14:hiddenLine xmlns:a14="http://schemas.microsoft.com/office/drawing/2010/main" xmlns="" w="9525">
+                <a14:hiddenLine xmlns="" xmlns:a14="http://schemas.microsoft.com/office/drawing/2010/main" w="9525">
                   <a:solidFill>
                     <a:schemeClr val="tx1"/>
                   </a:solidFill>
@@ -4897,7 +4897,7 @@
                 </a14:hiddenLine>
               </a:ext>
               <a:ext uri="{AF507438-7753-43e0-B8FC-AC1667EBCBE1}">
-                <a14:hiddenEffects xmlns:a14="http://schemas.microsoft.com/office/drawing/2010/main" xmlns="">
+                <a14:hiddenEffects xmlns="" xmlns:a14="http://schemas.microsoft.com/office/drawing/2010/main">
                   <a:effectLst>
                     <a:outerShdw blurRad="63500" dist="38099" dir="2700000" algn="ctr" rotWithShape="0">
                       <a:schemeClr val="bg2">
@@ -5087,14 +5087,14 @@
             <a:effectLst/>
             <a:extLst>
               <a:ext uri="{909E8E84-426E-40dd-AFC4-6F175D3DCCD1}">
-                <a14:hiddenFill xmlns:a14="http://schemas.microsoft.com/office/drawing/2010/main" xmlns="">
+                <a14:hiddenFill xmlns="" xmlns:a14="http://schemas.microsoft.com/office/drawing/2010/main">
                   <a:solidFill>
                     <a:schemeClr val="accent1"/>
                   </a:solidFill>
                 </a14:hiddenFill>
               </a:ext>
               <a:ext uri="{91240B29-F687-4f45-9708-019B960494DF}">
-                <a14:hiddenLine xmlns:a14="http://schemas.microsoft.com/office/drawing/2010/main" xmlns="" w="9525">
+                <a14:hiddenLine xmlns="" xmlns:a14="http://schemas.microsoft.com/office/drawing/2010/main" w="9525">
                   <a:solidFill>
                     <a:schemeClr val="tx1"/>
                   </a:solidFill>
@@ -5104,7 +5104,7 @@
                 </a14:hiddenLine>
               </a:ext>
               <a:ext uri="{AF507438-7753-43e0-B8FC-AC1667EBCBE1}">
-                <a14:hiddenEffects xmlns:a14="http://schemas.microsoft.com/office/drawing/2010/main" xmlns="">
+                <a14:hiddenEffects xmlns="" xmlns:a14="http://schemas.microsoft.com/office/drawing/2010/main">
                   <a:effectLst>
                     <a:outerShdw blurRad="63500" dist="38099" dir="2700000" algn="ctr" rotWithShape="0">
                       <a:schemeClr val="bg2">
@@ -5317,14 +5317,14 @@
             <a:effectLst/>
             <a:extLst>
               <a:ext uri="{909E8E84-426E-40dd-AFC4-6F175D3DCCD1}">
-                <a14:hiddenFill xmlns:a14="http://schemas.microsoft.com/office/drawing/2010/main" xmlns="">
+                <a14:hiddenFill xmlns="" xmlns:a14="http://schemas.microsoft.com/office/drawing/2010/main">
                   <a:solidFill>
                     <a:schemeClr val="accent1"/>
                   </a:solidFill>
                 </a14:hiddenFill>
               </a:ext>
               <a:ext uri="{91240B29-F687-4f45-9708-019B960494DF}">
-                <a14:hiddenLine xmlns:a14="http://schemas.microsoft.com/office/drawing/2010/main" xmlns="" w="9525">
+                <a14:hiddenLine xmlns="" xmlns:a14="http://schemas.microsoft.com/office/drawing/2010/main" w="9525">
                   <a:solidFill>
                     <a:schemeClr val="tx1"/>
                   </a:solidFill>
@@ -5334,7 +5334,7 @@
                 </a14:hiddenLine>
               </a:ext>
               <a:ext uri="{AF507438-7753-43e0-B8FC-AC1667EBCBE1}">
-                <a14:hiddenEffects xmlns:a14="http://schemas.microsoft.com/office/drawing/2010/main" xmlns="">
+                <a14:hiddenEffects xmlns="" xmlns:a14="http://schemas.microsoft.com/office/drawing/2010/main">
                   <a:effectLst>
                     <a:outerShdw blurRad="63500" dist="38099" dir="2700000" algn="ctr" rotWithShape="0">
                       <a:schemeClr val="bg2">
@@ -5546,14 +5546,14 @@
               <a:effectLst/>
               <a:extLst>
                 <a:ext uri="{909E8E84-426E-40dd-AFC4-6F175D3DCCD1}">
-                  <a14:hiddenFill xmlns:a14="http://schemas.microsoft.com/office/drawing/2010/main" xmlns="">
+                  <a14:hiddenFill xmlns="" xmlns:a14="http://schemas.microsoft.com/office/drawing/2010/main">
                     <a:solidFill>
                       <a:schemeClr val="accent1"/>
                     </a:solidFill>
                   </a14:hiddenFill>
                 </a:ext>
                 <a:ext uri="{91240B29-F687-4f45-9708-019B960494DF}">
-                  <a14:hiddenLine xmlns:a14="http://schemas.microsoft.com/office/drawing/2010/main" xmlns="" w="9525">
+                  <a14:hiddenLine xmlns="" xmlns:a14="http://schemas.microsoft.com/office/drawing/2010/main" w="9525">
                     <a:solidFill>
                       <a:schemeClr val="tx1"/>
                     </a:solidFill>
@@ -5563,7 +5563,7 @@
                   </a14:hiddenLine>
                 </a:ext>
                 <a:ext uri="{AF507438-7753-43e0-B8FC-AC1667EBCBE1}">
-                  <a14:hiddenEffects xmlns:a14="http://schemas.microsoft.com/office/drawing/2010/main" xmlns="">
+                  <a14:hiddenEffects xmlns="" xmlns:a14="http://schemas.microsoft.com/office/drawing/2010/main">
                     <a:effectLst>
                       <a:outerShdw blurRad="63500" dist="38099" dir="2700000" algn="ctr" rotWithShape="0">
                         <a:schemeClr val="bg2">
@@ -5753,14 +5753,14 @@
               <a:effectLst/>
               <a:extLst>
                 <a:ext uri="{909E8E84-426E-40dd-AFC4-6F175D3DCCD1}">
-                  <a14:hiddenFill xmlns:a14="http://schemas.microsoft.com/office/drawing/2010/main" xmlns="">
+                  <a14:hiddenFill xmlns="" xmlns:a14="http://schemas.microsoft.com/office/drawing/2010/main">
                     <a:solidFill>
                       <a:schemeClr val="accent1"/>
                     </a:solidFill>
                   </a14:hiddenFill>
                 </a:ext>
                 <a:ext uri="{91240B29-F687-4f45-9708-019B960494DF}">
-                  <a14:hiddenLine xmlns:a14="http://schemas.microsoft.com/office/drawing/2010/main" xmlns="" w="9525">
+                  <a14:hiddenLine xmlns="" xmlns:a14="http://schemas.microsoft.com/office/drawing/2010/main" w="9525">
                     <a:solidFill>
                       <a:schemeClr val="tx1"/>
                     </a:solidFill>
@@ -5770,7 +5770,7 @@
                   </a14:hiddenLine>
                 </a:ext>
                 <a:ext uri="{AF507438-7753-43e0-B8FC-AC1667EBCBE1}">
-                  <a14:hiddenEffects xmlns:a14="http://schemas.microsoft.com/office/drawing/2010/main" xmlns="">
+                  <a14:hiddenEffects xmlns="" xmlns:a14="http://schemas.microsoft.com/office/drawing/2010/main">
                     <a:effectLst>
                       <a:outerShdw blurRad="63500" dist="38099" dir="2700000" algn="ctr" rotWithShape="0">
                         <a:schemeClr val="bg2">
@@ -5965,12 +5965,12 @@
               <a:effectLst/>
               <a:extLst>
                 <a:ext uri="{909E8E84-426E-40dd-AFC4-6F175D3DCCD1}">
-                  <a14:hiddenFill xmlns:a14="http://schemas.microsoft.com/office/drawing/2010/main" xmlns="">
+                  <a14:hiddenFill xmlns="" xmlns:a14="http://schemas.microsoft.com/office/drawing/2010/main">
                     <a:noFill/>
                   </a14:hiddenFill>
                 </a:ext>
                 <a:ext uri="{AF507438-7753-43e0-B8FC-AC1667EBCBE1}">
-                  <a14:hiddenEffects xmlns:a14="http://schemas.microsoft.com/office/drawing/2010/main" xmlns="">
+                  <a14:hiddenEffects xmlns="" xmlns:a14="http://schemas.microsoft.com/office/drawing/2010/main">
                     <a:effectLst>
                       <a:outerShdw blurRad="63500" dist="38099" dir="2700000" algn="ctr" rotWithShape="0">
                         <a:schemeClr val="bg2">
@@ -6049,14 +6049,14 @@
               <a:effectLst/>
               <a:extLst>
                 <a:ext uri="{909E8E84-426E-40dd-AFC4-6F175D3DCCD1}">
-                  <a14:hiddenFill xmlns:a14="http://schemas.microsoft.com/office/drawing/2010/main" xmlns="">
+                  <a14:hiddenFill xmlns="" xmlns:a14="http://schemas.microsoft.com/office/drawing/2010/main">
                     <a:solidFill>
                       <a:schemeClr val="accent1"/>
                     </a:solidFill>
                   </a14:hiddenFill>
                 </a:ext>
                 <a:ext uri="{91240B29-F687-4f45-9708-019B960494DF}">
-                  <a14:hiddenLine xmlns:a14="http://schemas.microsoft.com/office/drawing/2010/main" xmlns="" w="9525">
+                  <a14:hiddenLine xmlns="" xmlns:a14="http://schemas.microsoft.com/office/drawing/2010/main" w="9525">
                     <a:solidFill>
                       <a:schemeClr val="tx1"/>
                     </a:solidFill>
@@ -6066,7 +6066,7 @@
                   </a14:hiddenLine>
                 </a:ext>
                 <a:ext uri="{AF507438-7753-43e0-B8FC-AC1667EBCBE1}">
-                  <a14:hiddenEffects xmlns:a14="http://schemas.microsoft.com/office/drawing/2010/main" xmlns="">
+                  <a14:hiddenEffects xmlns="" xmlns:a14="http://schemas.microsoft.com/office/drawing/2010/main">
                     <a:effectLst>
                       <a:outerShdw blurRad="63500" dist="38099" dir="2700000" algn="ctr" rotWithShape="0">
                         <a:schemeClr val="bg2">
@@ -6256,14 +6256,14 @@
               <a:effectLst/>
               <a:extLst>
                 <a:ext uri="{909E8E84-426E-40dd-AFC4-6F175D3DCCD1}">
-                  <a14:hiddenFill xmlns:a14="http://schemas.microsoft.com/office/drawing/2010/main" xmlns="">
+                  <a14:hiddenFill xmlns="" xmlns:a14="http://schemas.microsoft.com/office/drawing/2010/main">
                     <a:solidFill>
                       <a:schemeClr val="accent1"/>
                     </a:solidFill>
                   </a14:hiddenFill>
                 </a:ext>
                 <a:ext uri="{91240B29-F687-4f45-9708-019B960494DF}">
-                  <a14:hiddenLine xmlns:a14="http://schemas.microsoft.com/office/drawing/2010/main" xmlns="" w="9525">
+                  <a14:hiddenLine xmlns="" xmlns:a14="http://schemas.microsoft.com/office/drawing/2010/main" w="9525">
                     <a:solidFill>
                       <a:schemeClr val="tx1"/>
                     </a:solidFill>
@@ -6273,7 +6273,7 @@
                   </a14:hiddenLine>
                 </a:ext>
                 <a:ext uri="{AF507438-7753-43e0-B8FC-AC1667EBCBE1}">
-                  <a14:hiddenEffects xmlns:a14="http://schemas.microsoft.com/office/drawing/2010/main" xmlns="">
+                  <a14:hiddenEffects xmlns="" xmlns:a14="http://schemas.microsoft.com/office/drawing/2010/main">
                     <a:effectLst>
                       <a:outerShdw blurRad="63500" dist="38099" dir="2700000" algn="ctr" rotWithShape="0">
                         <a:schemeClr val="bg2">
@@ -6468,12 +6468,12 @@
               <a:effectLst/>
               <a:extLst>
                 <a:ext uri="{909E8E84-426E-40dd-AFC4-6F175D3DCCD1}">
-                  <a14:hiddenFill xmlns:a14="http://schemas.microsoft.com/office/drawing/2010/main" xmlns="">
+                  <a14:hiddenFill xmlns="" xmlns:a14="http://schemas.microsoft.com/office/drawing/2010/main">
                     <a:noFill/>
                   </a14:hiddenFill>
                 </a:ext>
                 <a:ext uri="{AF507438-7753-43e0-B8FC-AC1667EBCBE1}">
-                  <a14:hiddenEffects xmlns:a14="http://schemas.microsoft.com/office/drawing/2010/main" xmlns="">
+                  <a14:hiddenEffects xmlns="" xmlns:a14="http://schemas.microsoft.com/office/drawing/2010/main">
                     <a:effectLst>
                       <a:outerShdw blurRad="63500" dist="38099" dir="2700000" algn="ctr" rotWithShape="0">
                         <a:schemeClr val="bg2">
@@ -6552,14 +6552,14 @@
               <a:effectLst/>
               <a:extLst>
                 <a:ext uri="{909E8E84-426E-40dd-AFC4-6F175D3DCCD1}">
-                  <a14:hiddenFill xmlns:a14="http://schemas.microsoft.com/office/drawing/2010/main" xmlns="">
+                  <a14:hiddenFill xmlns="" xmlns:a14="http://schemas.microsoft.com/office/drawing/2010/main">
                     <a:solidFill>
                       <a:schemeClr val="accent1"/>
                     </a:solidFill>
                   </a14:hiddenFill>
                 </a:ext>
                 <a:ext uri="{91240B29-F687-4f45-9708-019B960494DF}">
-                  <a14:hiddenLine xmlns:a14="http://schemas.microsoft.com/office/drawing/2010/main" xmlns="" w="9525">
+                  <a14:hiddenLine xmlns="" xmlns:a14="http://schemas.microsoft.com/office/drawing/2010/main" w="9525">
                     <a:solidFill>
                       <a:schemeClr val="tx1"/>
                     </a:solidFill>
@@ -6569,7 +6569,7 @@
                   </a14:hiddenLine>
                 </a:ext>
                 <a:ext uri="{AF507438-7753-43e0-B8FC-AC1667EBCBE1}">
-                  <a14:hiddenEffects xmlns:a14="http://schemas.microsoft.com/office/drawing/2010/main" xmlns="">
+                  <a14:hiddenEffects xmlns="" xmlns:a14="http://schemas.microsoft.com/office/drawing/2010/main">
                     <a:effectLst>
                       <a:outerShdw blurRad="63500" dist="38099" dir="2700000" algn="ctr" rotWithShape="0">
                         <a:schemeClr val="bg2">
@@ -7223,14 +7223,14 @@
             <a:effectLst/>
             <a:extLst>
               <a:ext uri="{909E8E84-426E-40dd-AFC4-6F175D3DCCD1}">
-                <a14:hiddenFill xmlns:a14="http://schemas.microsoft.com/office/drawing/2010/main" xmlns="">
+                <a14:hiddenFill xmlns="" xmlns:a14="http://schemas.microsoft.com/office/drawing/2010/main">
                   <a:solidFill>
                     <a:schemeClr val="accent1"/>
                   </a:solidFill>
                 </a14:hiddenFill>
               </a:ext>
               <a:ext uri="{91240B29-F687-4f45-9708-019B960494DF}">
-                <a14:hiddenLine xmlns:a14="http://schemas.microsoft.com/office/drawing/2010/main" xmlns="" w="9525">
+                <a14:hiddenLine xmlns="" xmlns:a14="http://schemas.microsoft.com/office/drawing/2010/main" w="9525">
                   <a:solidFill>
                     <a:schemeClr val="tx1"/>
                   </a:solidFill>
@@ -7240,7 +7240,7 @@
                 </a14:hiddenLine>
               </a:ext>
               <a:ext uri="{AF507438-7753-43e0-B8FC-AC1667EBCBE1}">
-                <a14:hiddenEffects xmlns:a14="http://schemas.microsoft.com/office/drawing/2010/main" xmlns="">
+                <a14:hiddenEffects xmlns="" xmlns:a14="http://schemas.microsoft.com/office/drawing/2010/main">
                   <a:effectLst>
                     <a:outerShdw blurRad="63500" dist="38099" dir="2700000" algn="ctr" rotWithShape="0">
                       <a:schemeClr val="bg2">
@@ -7405,14 +7405,14 @@
             <a:effectLst/>
             <a:extLst>
               <a:ext uri="{909E8E84-426E-40dd-AFC4-6F175D3DCCD1}">
-                <a14:hiddenFill xmlns:a14="http://schemas.microsoft.com/office/drawing/2010/main" xmlns="">
+                <a14:hiddenFill xmlns="" xmlns:a14="http://schemas.microsoft.com/office/drawing/2010/main">
                   <a:solidFill>
                     <a:schemeClr val="accent1"/>
                   </a:solidFill>
                 </a14:hiddenFill>
               </a:ext>
               <a:ext uri="{91240B29-F687-4f45-9708-019B960494DF}">
-                <a14:hiddenLine xmlns:a14="http://schemas.microsoft.com/office/drawing/2010/main" xmlns="" w="9525">
+                <a14:hiddenLine xmlns="" xmlns:a14="http://schemas.microsoft.com/office/drawing/2010/main" w="9525">
                   <a:solidFill>
                     <a:schemeClr val="tx1"/>
                   </a:solidFill>
@@ -7422,7 +7422,7 @@
                 </a14:hiddenLine>
               </a:ext>
               <a:ext uri="{AF507438-7753-43e0-B8FC-AC1667EBCBE1}">
-                <a14:hiddenEffects xmlns:a14="http://schemas.microsoft.com/office/drawing/2010/main" xmlns="">
+                <a14:hiddenEffects xmlns="" xmlns:a14="http://schemas.microsoft.com/office/drawing/2010/main">
                   <a:effectLst>
                     <a:outerShdw blurRad="63500" dist="38099" dir="2700000" algn="ctr" rotWithShape="0">
                       <a:schemeClr val="bg2">
@@ -7609,14 +7609,14 @@
               <a:effectLst/>
               <a:extLst>
                 <a:ext uri="{909E8E84-426E-40dd-AFC4-6F175D3DCCD1}">
-                  <a14:hiddenFill xmlns:a14="http://schemas.microsoft.com/office/drawing/2010/main" xmlns="">
+                  <a14:hiddenFill xmlns="" xmlns:a14="http://schemas.microsoft.com/office/drawing/2010/main">
                     <a:solidFill>
                       <a:schemeClr val="accent1"/>
                     </a:solidFill>
                   </a14:hiddenFill>
                 </a:ext>
                 <a:ext uri="{91240B29-F687-4f45-9708-019B960494DF}">
-                  <a14:hiddenLine xmlns:a14="http://schemas.microsoft.com/office/drawing/2010/main" xmlns="" w="9525">
+                  <a14:hiddenLine xmlns="" xmlns:a14="http://schemas.microsoft.com/office/drawing/2010/main" w="9525">
                     <a:solidFill>
                       <a:schemeClr val="tx1"/>
                     </a:solidFill>
@@ -7626,7 +7626,7 @@
                   </a14:hiddenLine>
                 </a:ext>
                 <a:ext uri="{AF507438-7753-43e0-B8FC-AC1667EBCBE1}">
-                  <a14:hiddenEffects xmlns:a14="http://schemas.microsoft.com/office/drawing/2010/main" xmlns="">
+                  <a14:hiddenEffects xmlns="" xmlns:a14="http://schemas.microsoft.com/office/drawing/2010/main">
                     <a:effectLst>
                       <a:outerShdw blurRad="63500" dist="38099" dir="2700000" algn="ctr" rotWithShape="0">
                         <a:schemeClr val="bg2">
@@ -7791,14 +7791,14 @@
               <a:effectLst/>
               <a:extLst>
                 <a:ext uri="{909E8E84-426E-40dd-AFC4-6F175D3DCCD1}">
-                  <a14:hiddenFill xmlns:a14="http://schemas.microsoft.com/office/drawing/2010/main" xmlns="">
+                  <a14:hiddenFill xmlns="" xmlns:a14="http://schemas.microsoft.com/office/drawing/2010/main">
                     <a:solidFill>
                       <a:schemeClr val="accent1"/>
                     </a:solidFill>
                   </a14:hiddenFill>
                 </a:ext>
                 <a:ext uri="{91240B29-F687-4f45-9708-019B960494DF}">
-                  <a14:hiddenLine xmlns:a14="http://schemas.microsoft.com/office/drawing/2010/main" xmlns="" w="9525">
+                  <a14:hiddenLine xmlns="" xmlns:a14="http://schemas.microsoft.com/office/drawing/2010/main" w="9525">
                     <a:solidFill>
                       <a:schemeClr val="tx1"/>
                     </a:solidFill>
@@ -7808,7 +7808,7 @@
                   </a14:hiddenLine>
                 </a:ext>
                 <a:ext uri="{AF507438-7753-43e0-B8FC-AC1667EBCBE1}">
-                  <a14:hiddenEffects xmlns:a14="http://schemas.microsoft.com/office/drawing/2010/main" xmlns="">
+                  <a14:hiddenEffects xmlns="" xmlns:a14="http://schemas.microsoft.com/office/drawing/2010/main">
                     <a:effectLst>
                       <a:outerShdw blurRad="63500" dist="38099" dir="2700000" algn="ctr" rotWithShape="0">
                         <a:schemeClr val="bg2">
@@ -7978,12 +7978,12 @@
               <a:effectLst/>
               <a:extLst>
                 <a:ext uri="{909E8E84-426E-40dd-AFC4-6F175D3DCCD1}">
-                  <a14:hiddenFill xmlns:a14="http://schemas.microsoft.com/office/drawing/2010/main" xmlns="">
+                  <a14:hiddenFill xmlns="" xmlns:a14="http://schemas.microsoft.com/office/drawing/2010/main">
                     <a:noFill/>
                   </a14:hiddenFill>
                 </a:ext>
                 <a:ext uri="{AF507438-7753-43e0-B8FC-AC1667EBCBE1}">
-                  <a14:hiddenEffects xmlns:a14="http://schemas.microsoft.com/office/drawing/2010/main" xmlns="">
+                  <a14:hiddenEffects xmlns="" xmlns:a14="http://schemas.microsoft.com/office/drawing/2010/main">
                     <a:effectLst>
                       <a:outerShdw blurRad="63500" dist="38099" dir="2700000" algn="ctr" rotWithShape="0">
                         <a:schemeClr val="bg2">
@@ -8038,14 +8038,14 @@
               <a:effectLst/>
               <a:extLst>
                 <a:ext uri="{909E8E84-426E-40dd-AFC4-6F175D3DCCD1}">
-                  <a14:hiddenFill xmlns:a14="http://schemas.microsoft.com/office/drawing/2010/main" xmlns="">
+                  <a14:hiddenFill xmlns="" xmlns:a14="http://schemas.microsoft.com/office/drawing/2010/main">
                     <a:solidFill>
                       <a:schemeClr val="accent1"/>
                     </a:solidFill>
                   </a14:hiddenFill>
                 </a:ext>
                 <a:ext uri="{91240B29-F687-4f45-9708-019B960494DF}">
-                  <a14:hiddenLine xmlns:a14="http://schemas.microsoft.com/office/drawing/2010/main" xmlns="" w="9525">
+                  <a14:hiddenLine xmlns="" xmlns:a14="http://schemas.microsoft.com/office/drawing/2010/main" w="9525">
                     <a:solidFill>
                       <a:schemeClr val="tx1"/>
                     </a:solidFill>
@@ -8055,7 +8055,7 @@
                   </a14:hiddenLine>
                 </a:ext>
                 <a:ext uri="{AF507438-7753-43e0-B8FC-AC1667EBCBE1}">
-                  <a14:hiddenEffects xmlns:a14="http://schemas.microsoft.com/office/drawing/2010/main" xmlns="">
+                  <a14:hiddenEffects xmlns="" xmlns:a14="http://schemas.microsoft.com/office/drawing/2010/main">
                     <a:effectLst>
                       <a:outerShdw blurRad="63500" dist="38099" dir="2700000" algn="ctr" rotWithShape="0">
                         <a:schemeClr val="bg2">
@@ -8335,14 +8335,14 @@
               <a:effectLst/>
               <a:extLst>
                 <a:ext uri="{909E8E84-426E-40dd-AFC4-6F175D3DCCD1}">
-                  <a14:hiddenFill xmlns:a14="http://schemas.microsoft.com/office/drawing/2010/main" xmlns="">
+                  <a14:hiddenFill xmlns="" xmlns:a14="http://schemas.microsoft.com/office/drawing/2010/main">
                     <a:solidFill>
                       <a:schemeClr val="accent1"/>
                     </a:solidFill>
                   </a14:hiddenFill>
                 </a:ext>
                 <a:ext uri="{91240B29-F687-4f45-9708-019B960494DF}">
-                  <a14:hiddenLine xmlns:a14="http://schemas.microsoft.com/office/drawing/2010/main" xmlns="" w="9525">
+                  <a14:hiddenLine xmlns="" xmlns:a14="http://schemas.microsoft.com/office/drawing/2010/main" w="9525">
                     <a:solidFill>
                       <a:schemeClr val="tx1"/>
                     </a:solidFill>
@@ -8352,7 +8352,7 @@
                   </a14:hiddenLine>
                 </a:ext>
                 <a:ext uri="{AF507438-7753-43e0-B8FC-AC1667EBCBE1}">
-                  <a14:hiddenEffects xmlns:a14="http://schemas.microsoft.com/office/drawing/2010/main" xmlns="">
+                  <a14:hiddenEffects xmlns="" xmlns:a14="http://schemas.microsoft.com/office/drawing/2010/main">
                     <a:effectLst>
                       <a:outerShdw blurRad="63500" dist="38099" dir="2700000" algn="ctr" rotWithShape="0">
                         <a:schemeClr val="bg2">
@@ -8666,28 +8666,15 @@
               </a:buClr>
             </a:pPr>
             <a:r>
-              <a:rPr lang="en-US" altLang="en-US" sz="3200" dirty="0">
+              <a:rPr lang="en-US" sz="3200">
                 <a:solidFill>
                   <a:schemeClr val="bg1">
                     <a:lumMod val="75000"/>
                   </a:schemeClr>
                 </a:solidFill>
-                <a:cs typeface="Calibri" panose="020F0502020204030204" pitchFamily="34" charset="0"/>
               </a:rPr>
-              <a:t>Principles of reliable data transfer </a:t>
+              <a:t>Connection-oriented </a:t>
             </a:r>
-          </a:p>
-          <a:p>
-            <a:pPr marL="403225" indent="-285750">
-              <a:spcBef>
-                <a:spcPts val="800"/>
-              </a:spcBef>
-              <a:buClr>
-                <a:schemeClr val="bg1">
-                  <a:lumMod val="75000"/>
-                </a:schemeClr>
-              </a:buClr>
-            </a:pPr>
             <a:r>
               <a:rPr lang="en-US" sz="3200" dirty="0">
                 <a:solidFill>
@@ -8696,7 +8683,7 @@
                   </a:schemeClr>
                 </a:solidFill>
               </a:rPr>
-              <a:t>Connection-oriented transport: TCP</a:t>
+              <a:t>transport: TCP</a:t>
             </a:r>
           </a:p>
           <a:p>
@@ -13802,12 +13789,12 @@
           <a:effectLst/>
           <a:extLst>
             <a:ext uri="{909E8E84-426E-40dd-AFC4-6F175D3DCCD1}">
-              <a14:hiddenFill xmlns="" xmlns:a14="http://schemas.microsoft.com/office/drawing/2010/main">
+              <a14:hiddenFill xmlns:a14="http://schemas.microsoft.com/office/drawing/2010/main" xmlns="">
                 <a:noFill/>
               </a14:hiddenFill>
             </a:ext>
             <a:ext uri="{AF507438-7753-43e0-B8FC-AC1667EBCBE1}">
-              <a14:hiddenEffects xmlns="" xmlns:a14="http://schemas.microsoft.com/office/drawing/2010/main">
+              <a14:hiddenEffects xmlns:a14="http://schemas.microsoft.com/office/drawing/2010/main" xmlns="">
                 <a:effectLst>
                   <a:outerShdw blurRad="63500" dist="38099" dir="2700000" algn="ctr" rotWithShape="0">
                     <a:schemeClr val="bg2">
@@ -13891,12 +13878,12 @@
           <a:effectLst/>
           <a:extLst>
             <a:ext uri="{909E8E84-426E-40dd-AFC4-6F175D3DCCD1}">
-              <a14:hiddenFill xmlns="" xmlns:a14="http://schemas.microsoft.com/office/drawing/2010/main">
+              <a14:hiddenFill xmlns:a14="http://schemas.microsoft.com/office/drawing/2010/main" xmlns="">
                 <a:noFill/>
               </a14:hiddenFill>
             </a:ext>
             <a:ext uri="{AF507438-7753-43e0-B8FC-AC1667EBCBE1}">
-              <a14:hiddenEffects xmlns="" xmlns:a14="http://schemas.microsoft.com/office/drawing/2010/main">
+              <a14:hiddenEffects xmlns:a14="http://schemas.microsoft.com/office/drawing/2010/main" xmlns="">
                 <a:effectLst>
                   <a:outerShdw blurRad="63500" dist="38099" dir="2700000" algn="ctr" rotWithShape="0">
                     <a:schemeClr val="bg2">
@@ -13980,12 +13967,12 @@
           <a:effectLst/>
           <a:extLst>
             <a:ext uri="{909E8E84-426E-40dd-AFC4-6F175D3DCCD1}">
-              <a14:hiddenFill xmlns="" xmlns:a14="http://schemas.microsoft.com/office/drawing/2010/main">
+              <a14:hiddenFill xmlns:a14="http://schemas.microsoft.com/office/drawing/2010/main" xmlns="">
                 <a:noFill/>
               </a14:hiddenFill>
             </a:ext>
             <a:ext uri="{AF507438-7753-43e0-B8FC-AC1667EBCBE1}">
-              <a14:hiddenEffects xmlns="" xmlns:a14="http://schemas.microsoft.com/office/drawing/2010/main">
+              <a14:hiddenEffects xmlns:a14="http://schemas.microsoft.com/office/drawing/2010/main" xmlns="">
                 <a:effectLst>
                   <a:outerShdw blurRad="63500" dist="38099" dir="2700000" algn="ctr" rotWithShape="0">
                     <a:schemeClr val="bg2">
@@ -14064,14 +14051,14 @@
           <a:effectLst/>
           <a:extLst>
             <a:ext uri="{909E8E84-426E-40dd-AFC4-6F175D3DCCD1}">
-              <a14:hiddenFill xmlns="" xmlns:a14="http://schemas.microsoft.com/office/drawing/2010/main">
+              <a14:hiddenFill xmlns:a14="http://schemas.microsoft.com/office/drawing/2010/main" xmlns="">
                 <a:solidFill>
                   <a:schemeClr val="accent1"/>
                 </a:solidFill>
               </a14:hiddenFill>
             </a:ext>
             <a:ext uri="{91240B29-F687-4f45-9708-019B960494DF}">
-              <a14:hiddenLine xmlns="" xmlns:a14="http://schemas.microsoft.com/office/drawing/2010/main" w="9525">
+              <a14:hiddenLine xmlns:a14="http://schemas.microsoft.com/office/drawing/2010/main" xmlns="" w="9525">
                 <a:solidFill>
                   <a:schemeClr val="tx1"/>
                 </a:solidFill>
@@ -14081,7 +14068,7 @@
               </a14:hiddenLine>
             </a:ext>
             <a:ext uri="{AF507438-7753-43e0-B8FC-AC1667EBCBE1}">
-              <a14:hiddenEffects xmlns="" xmlns:a14="http://schemas.microsoft.com/office/drawing/2010/main">
+              <a14:hiddenEffects xmlns:a14="http://schemas.microsoft.com/office/drawing/2010/main" xmlns="">
                 <a:effectLst>
                   <a:outerShdw blurRad="63500" dist="38099" dir="2700000" algn="ctr" rotWithShape="0">
                     <a:schemeClr val="bg2">
@@ -14729,7 +14716,7 @@
             <a:effectLst/>
             <a:extLst>
               <a:ext uri="{91240B29-F687-4f45-9708-019B960494DF}">
-                <a14:hiddenLine xmlns="" xmlns:a14="http://schemas.microsoft.com/office/drawing/2010/main" w="9525">
+                <a14:hiddenLine xmlns:a14="http://schemas.microsoft.com/office/drawing/2010/main" xmlns="" w="9525">
                   <a:solidFill>
                     <a:schemeClr val="tx1"/>
                   </a:solidFill>
@@ -14739,7 +14726,7 @@
                 </a14:hiddenLine>
               </a:ext>
               <a:ext uri="{AF507438-7753-43e0-B8FC-AC1667EBCBE1}">
-                <a14:hiddenEffects xmlns="" xmlns:a14="http://schemas.microsoft.com/office/drawing/2010/main">
+                <a14:hiddenEffects xmlns:a14="http://schemas.microsoft.com/office/drawing/2010/main" xmlns="">
                   <a:effectLst>
                     <a:outerShdw blurRad="63500" dist="38099" dir="2700000" algn="ctr" rotWithShape="0">
                       <a:schemeClr val="bg2">
@@ -15134,7 +15121,7 @@
             <a:effectLst/>
             <a:extLst>
               <a:ext uri="{AF507438-7753-43e0-B8FC-AC1667EBCBE1}">
-                <a14:hiddenEffects xmlns="" xmlns:a14="http://schemas.microsoft.com/office/drawing/2010/main">
+                <a14:hiddenEffects xmlns:a14="http://schemas.microsoft.com/office/drawing/2010/main" xmlns="">
                   <a:effectLst>
                     <a:outerShdw blurRad="63500" dist="38099" dir="2700000" algn="ctr" rotWithShape="0">
                       <a:schemeClr val="bg2">
@@ -15239,7 +15226,7 @@
               <a:effectLst/>
               <a:extLst>
                 <a:ext uri="{91240B29-F687-4f45-9708-019B960494DF}">
-                  <a14:hiddenLine xmlns="" xmlns:a14="http://schemas.microsoft.com/office/drawing/2010/main" w="9525">
+                  <a14:hiddenLine xmlns:a14="http://schemas.microsoft.com/office/drawing/2010/main" xmlns="" w="9525">
                     <a:solidFill>
                       <a:schemeClr val="tx1"/>
                     </a:solidFill>
@@ -15249,7 +15236,7 @@
                   </a14:hiddenLine>
                 </a:ext>
                 <a:ext uri="{AF507438-7753-43e0-B8FC-AC1667EBCBE1}">
-                  <a14:hiddenEffects xmlns="" xmlns:a14="http://schemas.microsoft.com/office/drawing/2010/main">
+                  <a14:hiddenEffects xmlns:a14="http://schemas.microsoft.com/office/drawing/2010/main" xmlns="">
                     <a:effectLst>
                       <a:outerShdw blurRad="63500" dist="38099" dir="2700000" algn="ctr" rotWithShape="0">
                         <a:schemeClr val="bg2">
@@ -15343,7 +15330,7 @@
               <a:effectLst/>
               <a:extLst>
                 <a:ext uri="{91240B29-F687-4f45-9708-019B960494DF}">
-                  <a14:hiddenLine xmlns="" xmlns:a14="http://schemas.microsoft.com/office/drawing/2010/main" w="9525">
+                  <a14:hiddenLine xmlns:a14="http://schemas.microsoft.com/office/drawing/2010/main" xmlns="" w="9525">
                     <a:solidFill>
                       <a:schemeClr val="tx1"/>
                     </a:solidFill>
@@ -15353,7 +15340,7 @@
                   </a14:hiddenLine>
                 </a:ext>
                 <a:ext uri="{AF507438-7753-43e0-B8FC-AC1667EBCBE1}">
-                  <a14:hiddenEffects xmlns="" xmlns:a14="http://schemas.microsoft.com/office/drawing/2010/main">
+                  <a14:hiddenEffects xmlns:a14="http://schemas.microsoft.com/office/drawing/2010/main" xmlns="">
                     <a:effectLst>
                       <a:outerShdw blurRad="63500" dist="38099" dir="2700000" algn="ctr" rotWithShape="0">
                         <a:schemeClr val="bg2">
@@ -15440,7 +15427,7 @@
             <a:effectLst/>
             <a:extLst>
               <a:ext uri="{AF507438-7753-43e0-B8FC-AC1667EBCBE1}">
-                <a14:hiddenEffects xmlns="" xmlns:a14="http://schemas.microsoft.com/office/drawing/2010/main">
+                <a14:hiddenEffects xmlns:a14="http://schemas.microsoft.com/office/drawing/2010/main" xmlns="">
                   <a:effectLst>
                     <a:outerShdw blurRad="63500" dist="38099" dir="2700000" algn="ctr" rotWithShape="0">
                       <a:schemeClr val="bg2">
@@ -15545,7 +15532,7 @@
               <a:effectLst/>
               <a:extLst>
                 <a:ext uri="{91240B29-F687-4f45-9708-019B960494DF}">
-                  <a14:hiddenLine xmlns="" xmlns:a14="http://schemas.microsoft.com/office/drawing/2010/main" w="9525">
+                  <a14:hiddenLine xmlns:a14="http://schemas.microsoft.com/office/drawing/2010/main" xmlns="" w="9525">
                     <a:solidFill>
                       <a:schemeClr val="tx1"/>
                     </a:solidFill>
@@ -15555,7 +15542,7 @@
                   </a14:hiddenLine>
                 </a:ext>
                 <a:ext uri="{AF507438-7753-43e0-B8FC-AC1667EBCBE1}">
-                  <a14:hiddenEffects xmlns="" xmlns:a14="http://schemas.microsoft.com/office/drawing/2010/main">
+                  <a14:hiddenEffects xmlns:a14="http://schemas.microsoft.com/office/drawing/2010/main" xmlns="">
                     <a:effectLst>
                       <a:outerShdw blurRad="63500" dist="38099" dir="2700000" algn="ctr" rotWithShape="0">
                         <a:schemeClr val="bg2">
@@ -15649,7 +15636,7 @@
               <a:effectLst/>
               <a:extLst>
                 <a:ext uri="{91240B29-F687-4f45-9708-019B960494DF}">
-                  <a14:hiddenLine xmlns="" xmlns:a14="http://schemas.microsoft.com/office/drawing/2010/main" w="9525">
+                  <a14:hiddenLine xmlns:a14="http://schemas.microsoft.com/office/drawing/2010/main" xmlns="" w="9525">
                     <a:solidFill>
                       <a:schemeClr val="tx1"/>
                     </a:solidFill>
@@ -15659,7 +15646,7 @@
                   </a14:hiddenLine>
                 </a:ext>
                 <a:ext uri="{AF507438-7753-43e0-B8FC-AC1667EBCBE1}">
-                  <a14:hiddenEffects xmlns="" xmlns:a14="http://schemas.microsoft.com/office/drawing/2010/main">
+                  <a14:hiddenEffects xmlns:a14="http://schemas.microsoft.com/office/drawing/2010/main" xmlns="">
                     <a:effectLst>
                       <a:outerShdw blurRad="63500" dist="38099" dir="2700000" algn="ctr" rotWithShape="0">
                         <a:schemeClr val="bg2">
@@ -15746,7 +15733,7 @@
             <a:effectLst/>
             <a:extLst>
               <a:ext uri="{AF507438-7753-43e0-B8FC-AC1667EBCBE1}">
-                <a14:hiddenEffects xmlns="" xmlns:a14="http://schemas.microsoft.com/office/drawing/2010/main">
+                <a14:hiddenEffects xmlns:a14="http://schemas.microsoft.com/office/drawing/2010/main" xmlns="">
                   <a:effectLst>
                     <a:outerShdw blurRad="63500" dist="38099" dir="2700000" algn="ctr" rotWithShape="0">
                       <a:schemeClr val="bg2">
@@ -15832,7 +15819,7 @@
             <a:effectLst/>
             <a:extLst>
               <a:ext uri="{AF507438-7753-43e0-B8FC-AC1667EBCBE1}">
-                <a14:hiddenEffects xmlns="" xmlns:a14="http://schemas.microsoft.com/office/drawing/2010/main">
+                <a14:hiddenEffects xmlns:a14="http://schemas.microsoft.com/office/drawing/2010/main" xmlns="">
                   <a:effectLst>
                     <a:outerShdw blurRad="63500" dist="38099" dir="2700000" algn="ctr" rotWithShape="0">
                       <a:schemeClr val="bg2">
@@ -15937,7 +15924,7 @@
               <a:effectLst/>
               <a:extLst>
                 <a:ext uri="{91240B29-F687-4f45-9708-019B960494DF}">
-                  <a14:hiddenLine xmlns="" xmlns:a14="http://schemas.microsoft.com/office/drawing/2010/main" w="9525">
+                  <a14:hiddenLine xmlns:a14="http://schemas.microsoft.com/office/drawing/2010/main" xmlns="" w="9525">
                     <a:solidFill>
                       <a:schemeClr val="tx1"/>
                     </a:solidFill>
@@ -15947,7 +15934,7 @@
                   </a14:hiddenLine>
                 </a:ext>
                 <a:ext uri="{AF507438-7753-43e0-B8FC-AC1667EBCBE1}">
-                  <a14:hiddenEffects xmlns="" xmlns:a14="http://schemas.microsoft.com/office/drawing/2010/main">
+                  <a14:hiddenEffects xmlns:a14="http://schemas.microsoft.com/office/drawing/2010/main" xmlns="">
                     <a:effectLst>
                       <a:outerShdw blurRad="63500" dist="38099" dir="2700000" algn="ctr" rotWithShape="0">
                         <a:schemeClr val="bg2">
@@ -16041,7 +16028,7 @@
               <a:effectLst/>
               <a:extLst>
                 <a:ext uri="{91240B29-F687-4f45-9708-019B960494DF}">
-                  <a14:hiddenLine xmlns="" xmlns:a14="http://schemas.microsoft.com/office/drawing/2010/main" w="9525">
+                  <a14:hiddenLine xmlns:a14="http://schemas.microsoft.com/office/drawing/2010/main" xmlns="" w="9525">
                     <a:solidFill>
                       <a:schemeClr val="tx1"/>
                     </a:solidFill>
@@ -16051,7 +16038,7 @@
                   </a14:hiddenLine>
                 </a:ext>
                 <a:ext uri="{AF507438-7753-43e0-B8FC-AC1667EBCBE1}">
-                  <a14:hiddenEffects xmlns="" xmlns:a14="http://schemas.microsoft.com/office/drawing/2010/main">
+                  <a14:hiddenEffects xmlns:a14="http://schemas.microsoft.com/office/drawing/2010/main" xmlns="">
                     <a:effectLst>
                       <a:outerShdw blurRad="63500" dist="38099" dir="2700000" algn="ctr" rotWithShape="0">
                         <a:schemeClr val="bg2">
@@ -16318,7 +16305,7 @@
               <a:effectLst/>
               <a:extLst>
                 <a:ext uri="{91240B29-F687-4f45-9708-019B960494DF}">
-                  <a14:hiddenLine xmlns="" xmlns:a14="http://schemas.microsoft.com/office/drawing/2010/main" w="9525">
+                  <a14:hiddenLine xmlns:a14="http://schemas.microsoft.com/office/drawing/2010/main" xmlns="" w="9525">
                     <a:solidFill>
                       <a:schemeClr val="tx1"/>
                     </a:solidFill>
@@ -16328,7 +16315,7 @@
                   </a14:hiddenLine>
                 </a:ext>
                 <a:ext uri="{AF507438-7753-43e0-B8FC-AC1667EBCBE1}">
-                  <a14:hiddenEffects xmlns="" xmlns:a14="http://schemas.microsoft.com/office/drawing/2010/main">
+                  <a14:hiddenEffects xmlns:a14="http://schemas.microsoft.com/office/drawing/2010/main" xmlns="">
                     <a:effectLst>
                       <a:outerShdw blurRad="63500" dist="38099" dir="2700000" algn="ctr" rotWithShape="0">
                         <a:schemeClr val="bg2">
@@ -16422,7 +16409,7 @@
               <a:effectLst/>
               <a:extLst>
                 <a:ext uri="{91240B29-F687-4f45-9708-019B960494DF}">
-                  <a14:hiddenLine xmlns="" xmlns:a14="http://schemas.microsoft.com/office/drawing/2010/main" w="9525">
+                  <a14:hiddenLine xmlns:a14="http://schemas.microsoft.com/office/drawing/2010/main" xmlns="" w="9525">
                     <a:solidFill>
                       <a:schemeClr val="tx1"/>
                     </a:solidFill>
@@ -16432,7 +16419,7 @@
                   </a14:hiddenLine>
                 </a:ext>
                 <a:ext uri="{AF507438-7753-43e0-B8FC-AC1667EBCBE1}">
-                  <a14:hiddenEffects xmlns="" xmlns:a14="http://schemas.microsoft.com/office/drawing/2010/main">
+                  <a14:hiddenEffects xmlns:a14="http://schemas.microsoft.com/office/drawing/2010/main" xmlns="">
                     <a:effectLst>
                       <a:outerShdw blurRad="63500" dist="38099" dir="2700000" algn="ctr" rotWithShape="0">
                         <a:schemeClr val="bg2">
@@ -16530,7 +16517,7 @@
             <a:effectLst/>
             <a:extLst>
               <a:ext uri="{AF507438-7753-43e0-B8FC-AC1667EBCBE1}">
-                <a14:hiddenEffects xmlns="" xmlns:a14="http://schemas.microsoft.com/office/drawing/2010/main">
+                <a14:hiddenEffects xmlns:a14="http://schemas.microsoft.com/office/drawing/2010/main" xmlns="">
                   <a:effectLst>
                     <a:outerShdw blurRad="63500" dist="38099" dir="2700000" algn="ctr" rotWithShape="0">
                       <a:schemeClr val="bg2">
@@ -16933,7 +16920,7 @@
             <a:effectLst/>
             <a:extLst>
               <a:ext uri="{91240B29-F687-4f45-9708-019B960494DF}">
-                <a14:hiddenLine xmlns="" xmlns:a14="http://schemas.microsoft.com/office/drawing/2010/main" w="9525">
+                <a14:hiddenLine xmlns:a14="http://schemas.microsoft.com/office/drawing/2010/main" xmlns="" w="9525">
                   <a:solidFill>
                     <a:schemeClr val="tx1"/>
                   </a:solidFill>
@@ -16943,7 +16930,7 @@
                 </a14:hiddenLine>
               </a:ext>
               <a:ext uri="{AF507438-7753-43e0-B8FC-AC1667EBCBE1}">
-                <a14:hiddenEffects xmlns="" xmlns:a14="http://schemas.microsoft.com/office/drawing/2010/main">
+                <a14:hiddenEffects xmlns:a14="http://schemas.microsoft.com/office/drawing/2010/main" xmlns="">
                   <a:effectLst>
                     <a:outerShdw blurRad="63500" dist="38099" dir="2700000" algn="ctr" rotWithShape="0">
                       <a:schemeClr val="bg2">
@@ -17176,7 +17163,7 @@
             <a:effectLst/>
             <a:extLst>
               <a:ext uri="{AF507438-7753-43e0-B8FC-AC1667EBCBE1}">
-                <a14:hiddenEffects xmlns="" xmlns:a14="http://schemas.microsoft.com/office/drawing/2010/main">
+                <a14:hiddenEffects xmlns:a14="http://schemas.microsoft.com/office/drawing/2010/main" xmlns="">
                   <a:effectLst>
                     <a:outerShdw blurRad="63500" dist="38099" dir="2700000" algn="ctr" rotWithShape="0">
                       <a:schemeClr val="bg2">
@@ -17272,7 +17259,7 @@
             <a:effectLst/>
             <a:extLst>
               <a:ext uri="{AF507438-7753-43e0-B8FC-AC1667EBCBE1}">
-                <a14:hiddenEffects xmlns="" xmlns:a14="http://schemas.microsoft.com/office/drawing/2010/main">
+                <a14:hiddenEffects xmlns:a14="http://schemas.microsoft.com/office/drawing/2010/main" xmlns="">
                   <a:effectLst>
                     <a:outerShdw blurRad="63500" dist="38099" dir="2700000" algn="ctr" rotWithShape="0">
                       <a:schemeClr val="bg2">
@@ -17353,7 +17340,7 @@
             <a:effectLst/>
             <a:extLst>
               <a:ext uri="{91240B29-F687-4f45-9708-019B960494DF}">
-                <a14:hiddenLine xmlns="" xmlns:a14="http://schemas.microsoft.com/office/drawing/2010/main" w="9525">
+                <a14:hiddenLine xmlns:a14="http://schemas.microsoft.com/office/drawing/2010/main" xmlns="" w="9525">
                   <a:solidFill>
                     <a:schemeClr val="tx1"/>
                   </a:solidFill>
@@ -17363,7 +17350,7 @@
                 </a14:hiddenLine>
               </a:ext>
               <a:ext uri="{AF507438-7753-43e0-B8FC-AC1667EBCBE1}">
-                <a14:hiddenEffects xmlns="" xmlns:a14="http://schemas.microsoft.com/office/drawing/2010/main">
+                <a14:hiddenEffects xmlns:a14="http://schemas.microsoft.com/office/drawing/2010/main" xmlns="">
                   <a:effectLst>
                     <a:outerShdw blurRad="63500" dist="38099" dir="2700000" algn="ctr" rotWithShape="0">
                       <a:schemeClr val="bg2">
@@ -17444,7 +17431,7 @@
             <a:effectLst/>
             <a:extLst>
               <a:ext uri="{91240B29-F687-4f45-9708-019B960494DF}">
-                <a14:hiddenLine xmlns="" xmlns:a14="http://schemas.microsoft.com/office/drawing/2010/main" w="9525">
+                <a14:hiddenLine xmlns:a14="http://schemas.microsoft.com/office/drawing/2010/main" xmlns="" w="9525">
                   <a:solidFill>
                     <a:schemeClr val="tx1"/>
                   </a:solidFill>
@@ -17454,7 +17441,7 @@
                 </a14:hiddenLine>
               </a:ext>
               <a:ext uri="{AF507438-7753-43e0-B8FC-AC1667EBCBE1}">
-                <a14:hiddenEffects xmlns="" xmlns:a14="http://schemas.microsoft.com/office/drawing/2010/main">
+                <a14:hiddenEffects xmlns:a14="http://schemas.microsoft.com/office/drawing/2010/main" xmlns="">
                   <a:effectLst>
                     <a:outerShdw blurRad="63500" dist="38099" dir="2700000" algn="ctr" rotWithShape="0">
                       <a:schemeClr val="bg2">
@@ -17535,7 +17522,7 @@
             <a:effectLst/>
             <a:extLst>
               <a:ext uri="{91240B29-F687-4f45-9708-019B960494DF}">
-                <a14:hiddenLine xmlns="" xmlns:a14="http://schemas.microsoft.com/office/drawing/2010/main" w="9525">
+                <a14:hiddenLine xmlns:a14="http://schemas.microsoft.com/office/drawing/2010/main" xmlns="" w="9525">
                   <a:solidFill>
                     <a:schemeClr val="tx1"/>
                   </a:solidFill>
@@ -17545,7 +17532,7 @@
                 </a14:hiddenLine>
               </a:ext>
               <a:ext uri="{AF507438-7753-43e0-B8FC-AC1667EBCBE1}">
-                <a14:hiddenEffects xmlns="" xmlns:a14="http://schemas.microsoft.com/office/drawing/2010/main">
+                <a14:hiddenEffects xmlns:a14="http://schemas.microsoft.com/office/drawing/2010/main" xmlns="">
                   <a:effectLst>
                     <a:outerShdw blurRad="63500" dist="38099" dir="2700000" algn="ctr" rotWithShape="0">
                       <a:schemeClr val="bg2">
@@ -17631,7 +17618,7 @@
             <a:effectLst/>
             <a:extLst>
               <a:ext uri="{AF507438-7753-43e0-B8FC-AC1667EBCBE1}">
-                <a14:hiddenEffects xmlns="" xmlns:a14="http://schemas.microsoft.com/office/drawing/2010/main">
+                <a14:hiddenEffects xmlns:a14="http://schemas.microsoft.com/office/drawing/2010/main" xmlns="">
                   <a:effectLst>
                     <a:outerShdw blurRad="63500" dist="38099" dir="2700000" algn="ctr" rotWithShape="0">
                       <a:schemeClr val="bg2">
@@ -17716,12 +17703,12 @@
           <a:effectLst/>
           <a:extLst>
             <a:ext uri="{909E8E84-426E-40dd-AFC4-6F175D3DCCD1}">
-              <a14:hiddenFill xmlns="" xmlns:a14="http://schemas.microsoft.com/office/drawing/2010/main">
+              <a14:hiddenFill xmlns:a14="http://schemas.microsoft.com/office/drawing/2010/main" xmlns="">
                 <a:noFill/>
               </a14:hiddenFill>
             </a:ext>
             <a:ext uri="{AF507438-7753-43e0-B8FC-AC1667EBCBE1}">
-              <a14:hiddenEffects xmlns="" xmlns:a14="http://schemas.microsoft.com/office/drawing/2010/main">
+              <a14:hiddenEffects xmlns:a14="http://schemas.microsoft.com/office/drawing/2010/main" xmlns="">
                 <a:effectLst>
                   <a:outerShdw blurRad="63500" dist="38099" dir="2700000" algn="ctr" rotWithShape="0">
                     <a:schemeClr val="bg2">
@@ -17805,12 +17792,12 @@
           <a:effectLst/>
           <a:extLst>
             <a:ext uri="{909E8E84-426E-40dd-AFC4-6F175D3DCCD1}">
-              <a14:hiddenFill xmlns="" xmlns:a14="http://schemas.microsoft.com/office/drawing/2010/main">
+              <a14:hiddenFill xmlns:a14="http://schemas.microsoft.com/office/drawing/2010/main" xmlns="">
                 <a:noFill/>
               </a14:hiddenFill>
             </a:ext>
             <a:ext uri="{AF507438-7753-43e0-B8FC-AC1667EBCBE1}">
-              <a14:hiddenEffects xmlns="" xmlns:a14="http://schemas.microsoft.com/office/drawing/2010/main">
+              <a14:hiddenEffects xmlns:a14="http://schemas.microsoft.com/office/drawing/2010/main" xmlns="">
                 <a:effectLst>
                   <a:outerShdw blurRad="63500" dist="38099" dir="2700000" algn="ctr" rotWithShape="0">
                     <a:schemeClr val="bg2">
@@ -17889,14 +17876,14 @@
           <a:effectLst/>
           <a:extLst>
             <a:ext uri="{909E8E84-426E-40dd-AFC4-6F175D3DCCD1}">
-              <a14:hiddenFill xmlns="" xmlns:a14="http://schemas.microsoft.com/office/drawing/2010/main">
+              <a14:hiddenFill xmlns:a14="http://schemas.microsoft.com/office/drawing/2010/main" xmlns="">
                 <a:solidFill>
                   <a:schemeClr val="accent1"/>
                 </a:solidFill>
               </a14:hiddenFill>
             </a:ext>
             <a:ext uri="{91240B29-F687-4f45-9708-019B960494DF}">
-              <a14:hiddenLine xmlns="" xmlns:a14="http://schemas.microsoft.com/office/drawing/2010/main" w="9525">
+              <a14:hiddenLine xmlns:a14="http://schemas.microsoft.com/office/drawing/2010/main" xmlns="" w="9525">
                 <a:solidFill>
                   <a:schemeClr val="tx1"/>
                 </a:solidFill>
@@ -17906,7 +17893,7 @@
               </a14:hiddenLine>
             </a:ext>
             <a:ext uri="{AF507438-7753-43e0-B8FC-AC1667EBCBE1}">
-              <a14:hiddenEffects xmlns="" xmlns:a14="http://schemas.microsoft.com/office/drawing/2010/main">
+              <a14:hiddenEffects xmlns:a14="http://schemas.microsoft.com/office/drawing/2010/main" xmlns="">
                 <a:effectLst>
                   <a:outerShdw blurRad="63500" dist="38099" dir="2700000" algn="ctr" rotWithShape="0">
                     <a:schemeClr val="bg2">
@@ -18137,12 +18124,12 @@
           <a:effectLst/>
           <a:extLst>
             <a:ext uri="{909E8E84-426E-40dd-AFC4-6F175D3DCCD1}">
-              <a14:hiddenFill xmlns="" xmlns:a14="http://schemas.microsoft.com/office/drawing/2010/main">
+              <a14:hiddenFill xmlns:a14="http://schemas.microsoft.com/office/drawing/2010/main" xmlns="">
                 <a:noFill/>
               </a14:hiddenFill>
             </a:ext>
             <a:ext uri="{AF507438-7753-43e0-B8FC-AC1667EBCBE1}">
-              <a14:hiddenEffects xmlns="" xmlns:a14="http://schemas.microsoft.com/office/drawing/2010/main">
+              <a14:hiddenEffects xmlns:a14="http://schemas.microsoft.com/office/drawing/2010/main" xmlns="">
                 <a:effectLst>
                   <a:outerShdw blurRad="63500" dist="38099" dir="2700000" algn="ctr" rotWithShape="0">
                     <a:schemeClr val="bg2">
@@ -18589,12 +18576,12 @@
           <a:effectLst/>
           <a:extLst>
             <a:ext uri="{909E8E84-426E-40dd-AFC4-6F175D3DCCD1}">
-              <a14:hiddenFill xmlns="" xmlns:a14="http://schemas.microsoft.com/office/drawing/2010/main">
+              <a14:hiddenFill xmlns:a14="http://schemas.microsoft.com/office/drawing/2010/main" xmlns="">
                 <a:noFill/>
               </a14:hiddenFill>
             </a:ext>
             <a:ext uri="{AF507438-7753-43e0-B8FC-AC1667EBCBE1}">
-              <a14:hiddenEffects xmlns="" xmlns:a14="http://schemas.microsoft.com/office/drawing/2010/main">
+              <a14:hiddenEffects xmlns:a14="http://schemas.microsoft.com/office/drawing/2010/main" xmlns="">
                 <a:effectLst>
                   <a:outerShdw blurRad="63500" dist="38099" dir="2700000" algn="ctr" rotWithShape="0">
                     <a:schemeClr val="bg2">
@@ -18765,12 +18752,12 @@
             <a:effectLst/>
             <a:extLst>
               <a:ext uri="{909E8E84-426E-40dd-AFC4-6F175D3DCCD1}">
-                <a14:hiddenFill xmlns="" xmlns:a14="http://schemas.microsoft.com/office/drawing/2010/main">
+                <a14:hiddenFill xmlns:a14="http://schemas.microsoft.com/office/drawing/2010/main" xmlns="">
                   <a:noFill/>
                 </a14:hiddenFill>
               </a:ext>
               <a:ext uri="{AF507438-7753-43e0-B8FC-AC1667EBCBE1}">
-                <a14:hiddenEffects xmlns="" xmlns:a14="http://schemas.microsoft.com/office/drawing/2010/main">
+                <a14:hiddenEffects xmlns:a14="http://schemas.microsoft.com/office/drawing/2010/main" xmlns="">
                   <a:effectLst>
                     <a:outerShdw blurRad="63500" dist="38099" dir="2700000" algn="ctr" rotWithShape="0">
                       <a:schemeClr val="bg2">
@@ -18854,12 +18841,12 @@
             <a:effectLst/>
             <a:extLst>
               <a:ext uri="{909E8E84-426E-40dd-AFC4-6F175D3DCCD1}">
-                <a14:hiddenFill xmlns="" xmlns:a14="http://schemas.microsoft.com/office/drawing/2010/main">
+                <a14:hiddenFill xmlns:a14="http://schemas.microsoft.com/office/drawing/2010/main" xmlns="">
                   <a:noFill/>
                 </a14:hiddenFill>
               </a:ext>
               <a:ext uri="{AF507438-7753-43e0-B8FC-AC1667EBCBE1}">
-                <a14:hiddenEffects xmlns="" xmlns:a14="http://schemas.microsoft.com/office/drawing/2010/main">
+                <a14:hiddenEffects xmlns:a14="http://schemas.microsoft.com/office/drawing/2010/main" xmlns="">
                   <a:effectLst>
                     <a:outerShdw blurRad="63500" dist="38099" dir="2700000" algn="ctr" rotWithShape="0">
                       <a:schemeClr val="bg2">
@@ -18943,12 +18930,12 @@
             <a:effectLst/>
             <a:extLst>
               <a:ext uri="{909E8E84-426E-40dd-AFC4-6F175D3DCCD1}">
-                <a14:hiddenFill xmlns="" xmlns:a14="http://schemas.microsoft.com/office/drawing/2010/main">
+                <a14:hiddenFill xmlns:a14="http://schemas.microsoft.com/office/drawing/2010/main" xmlns="">
                   <a:noFill/>
                 </a14:hiddenFill>
               </a:ext>
               <a:ext uri="{AF507438-7753-43e0-B8FC-AC1667EBCBE1}">
-                <a14:hiddenEffects xmlns="" xmlns:a14="http://schemas.microsoft.com/office/drawing/2010/main">
+                <a14:hiddenEffects xmlns:a14="http://schemas.microsoft.com/office/drawing/2010/main" xmlns="">
                   <a:effectLst>
                     <a:outerShdw blurRad="63500" dist="38099" dir="2700000" algn="ctr" rotWithShape="0">
                       <a:schemeClr val="bg2">
@@ -19027,14 +19014,14 @@
             <a:effectLst/>
             <a:extLst>
               <a:ext uri="{909E8E84-426E-40dd-AFC4-6F175D3DCCD1}">
-                <a14:hiddenFill xmlns="" xmlns:a14="http://schemas.microsoft.com/office/drawing/2010/main">
+                <a14:hiddenFill xmlns:a14="http://schemas.microsoft.com/office/drawing/2010/main" xmlns="">
                   <a:solidFill>
                     <a:schemeClr val="accent1"/>
                   </a:solidFill>
                 </a14:hiddenFill>
               </a:ext>
               <a:ext uri="{91240B29-F687-4f45-9708-019B960494DF}">
-                <a14:hiddenLine xmlns="" xmlns:a14="http://schemas.microsoft.com/office/drawing/2010/main" w="9525">
+                <a14:hiddenLine xmlns:a14="http://schemas.microsoft.com/office/drawing/2010/main" xmlns="" w="9525">
                   <a:solidFill>
                     <a:schemeClr val="tx1"/>
                   </a:solidFill>
@@ -19044,7 +19031,7 @@
                 </a14:hiddenLine>
               </a:ext>
               <a:ext uri="{AF507438-7753-43e0-B8FC-AC1667EBCBE1}">
-                <a14:hiddenEffects xmlns="" xmlns:a14="http://schemas.microsoft.com/office/drawing/2010/main">
+                <a14:hiddenEffects xmlns:a14="http://schemas.microsoft.com/office/drawing/2010/main" xmlns="">
                   <a:effectLst>
                     <a:outerShdw blurRad="63500" dist="38099" dir="2700000" algn="ctr" rotWithShape="0">
                       <a:schemeClr val="bg2">
@@ -19656,7 +19643,7 @@
               <a:effectLst/>
               <a:extLst>
                 <a:ext uri="{91240B29-F687-4f45-9708-019B960494DF}">
-                  <a14:hiddenLine xmlns="" xmlns:a14="http://schemas.microsoft.com/office/drawing/2010/main" w="9525">
+                  <a14:hiddenLine xmlns:a14="http://schemas.microsoft.com/office/drawing/2010/main" xmlns="" w="9525">
                     <a:solidFill>
                       <a:schemeClr val="tx1"/>
                     </a:solidFill>
@@ -19666,7 +19653,7 @@
                   </a14:hiddenLine>
                 </a:ext>
                 <a:ext uri="{AF507438-7753-43e0-B8FC-AC1667EBCBE1}">
-                  <a14:hiddenEffects xmlns="" xmlns:a14="http://schemas.microsoft.com/office/drawing/2010/main">
+                  <a14:hiddenEffects xmlns:a14="http://schemas.microsoft.com/office/drawing/2010/main" xmlns="">
                     <a:effectLst>
                       <a:outerShdw blurRad="63500" dist="38099" dir="2700000" algn="ctr" rotWithShape="0">
                         <a:schemeClr val="bg2">
@@ -20061,7 +20048,7 @@
               <a:effectLst/>
               <a:extLst>
                 <a:ext uri="{AF507438-7753-43e0-B8FC-AC1667EBCBE1}">
-                  <a14:hiddenEffects xmlns="" xmlns:a14="http://schemas.microsoft.com/office/drawing/2010/main">
+                  <a14:hiddenEffects xmlns:a14="http://schemas.microsoft.com/office/drawing/2010/main" xmlns="">
                     <a:effectLst>
                       <a:outerShdw blurRad="63500" dist="38099" dir="2700000" algn="ctr" rotWithShape="0">
                         <a:schemeClr val="bg2">
@@ -20166,7 +20153,7 @@
                 <a:effectLst/>
                 <a:extLst>
                   <a:ext uri="{91240B29-F687-4f45-9708-019B960494DF}">
-                    <a14:hiddenLine xmlns="" xmlns:a14="http://schemas.microsoft.com/office/drawing/2010/main" w="9525">
+                    <a14:hiddenLine xmlns:a14="http://schemas.microsoft.com/office/drawing/2010/main" xmlns="" w="9525">
                       <a:solidFill>
                         <a:schemeClr val="tx1"/>
                       </a:solidFill>
@@ -20176,7 +20163,7 @@
                     </a14:hiddenLine>
                   </a:ext>
                   <a:ext uri="{AF507438-7753-43e0-B8FC-AC1667EBCBE1}">
-                    <a14:hiddenEffects xmlns="" xmlns:a14="http://schemas.microsoft.com/office/drawing/2010/main">
+                    <a14:hiddenEffects xmlns:a14="http://schemas.microsoft.com/office/drawing/2010/main" xmlns="">
                       <a:effectLst>
                         <a:outerShdw blurRad="63500" dist="38099" dir="2700000" algn="ctr" rotWithShape="0">
                           <a:schemeClr val="bg2">
@@ -20270,7 +20257,7 @@
                 <a:effectLst/>
                 <a:extLst>
                   <a:ext uri="{91240B29-F687-4f45-9708-019B960494DF}">
-                    <a14:hiddenLine xmlns="" xmlns:a14="http://schemas.microsoft.com/office/drawing/2010/main" w="9525">
+                    <a14:hiddenLine xmlns:a14="http://schemas.microsoft.com/office/drawing/2010/main" xmlns="" w="9525">
                       <a:solidFill>
                         <a:schemeClr val="tx1"/>
                       </a:solidFill>
@@ -20280,7 +20267,7 @@
                     </a14:hiddenLine>
                   </a:ext>
                   <a:ext uri="{AF507438-7753-43e0-B8FC-AC1667EBCBE1}">
-                    <a14:hiddenEffects xmlns="" xmlns:a14="http://schemas.microsoft.com/office/drawing/2010/main">
+                    <a14:hiddenEffects xmlns:a14="http://schemas.microsoft.com/office/drawing/2010/main" xmlns="">
                       <a:effectLst>
                         <a:outerShdw blurRad="63500" dist="38099" dir="2700000" algn="ctr" rotWithShape="0">
                           <a:schemeClr val="bg2">
@@ -20367,7 +20354,7 @@
               <a:effectLst/>
               <a:extLst>
                 <a:ext uri="{AF507438-7753-43e0-B8FC-AC1667EBCBE1}">
-                  <a14:hiddenEffects xmlns="" xmlns:a14="http://schemas.microsoft.com/office/drawing/2010/main">
+                  <a14:hiddenEffects xmlns:a14="http://schemas.microsoft.com/office/drawing/2010/main" xmlns="">
                     <a:effectLst>
                       <a:outerShdw blurRad="63500" dist="38099" dir="2700000" algn="ctr" rotWithShape="0">
                         <a:schemeClr val="bg2">
@@ -20472,7 +20459,7 @@
                 <a:effectLst/>
                 <a:extLst>
                   <a:ext uri="{91240B29-F687-4f45-9708-019B960494DF}">
-                    <a14:hiddenLine xmlns="" xmlns:a14="http://schemas.microsoft.com/office/drawing/2010/main" w="9525">
+                    <a14:hiddenLine xmlns:a14="http://schemas.microsoft.com/office/drawing/2010/main" xmlns="" w="9525">
                       <a:solidFill>
                         <a:schemeClr val="tx1"/>
                       </a:solidFill>
@@ -20482,7 +20469,7 @@
                     </a14:hiddenLine>
                   </a:ext>
                   <a:ext uri="{AF507438-7753-43e0-B8FC-AC1667EBCBE1}">
-                    <a14:hiddenEffects xmlns="" xmlns:a14="http://schemas.microsoft.com/office/drawing/2010/main">
+                    <a14:hiddenEffects xmlns:a14="http://schemas.microsoft.com/office/drawing/2010/main" xmlns="">
                       <a:effectLst>
                         <a:outerShdw blurRad="63500" dist="38099" dir="2700000" algn="ctr" rotWithShape="0">
                           <a:schemeClr val="bg2">
@@ -20576,7 +20563,7 @@
                 <a:effectLst/>
                 <a:extLst>
                   <a:ext uri="{91240B29-F687-4f45-9708-019B960494DF}">
-                    <a14:hiddenLine xmlns="" xmlns:a14="http://schemas.microsoft.com/office/drawing/2010/main" w="9525">
+                    <a14:hiddenLine xmlns:a14="http://schemas.microsoft.com/office/drawing/2010/main" xmlns="" w="9525">
                       <a:solidFill>
                         <a:schemeClr val="tx1"/>
                       </a:solidFill>
@@ -20586,7 +20573,7 @@
                     </a14:hiddenLine>
                   </a:ext>
                   <a:ext uri="{AF507438-7753-43e0-B8FC-AC1667EBCBE1}">
-                    <a14:hiddenEffects xmlns="" xmlns:a14="http://schemas.microsoft.com/office/drawing/2010/main">
+                    <a14:hiddenEffects xmlns:a14="http://schemas.microsoft.com/office/drawing/2010/main" xmlns="">
                       <a:effectLst>
                         <a:outerShdw blurRad="63500" dist="38099" dir="2700000" algn="ctr" rotWithShape="0">
                           <a:schemeClr val="bg2">
@@ -20673,7 +20660,7 @@
               <a:effectLst/>
               <a:extLst>
                 <a:ext uri="{AF507438-7753-43e0-B8FC-AC1667EBCBE1}">
-                  <a14:hiddenEffects xmlns="" xmlns:a14="http://schemas.microsoft.com/office/drawing/2010/main">
+                  <a14:hiddenEffects xmlns:a14="http://schemas.microsoft.com/office/drawing/2010/main" xmlns="">
                     <a:effectLst>
                       <a:outerShdw blurRad="63500" dist="38099" dir="2700000" algn="ctr" rotWithShape="0">
                         <a:schemeClr val="bg2">
@@ -20759,7 +20746,7 @@
               <a:effectLst/>
               <a:extLst>
                 <a:ext uri="{AF507438-7753-43e0-B8FC-AC1667EBCBE1}">
-                  <a14:hiddenEffects xmlns="" xmlns:a14="http://schemas.microsoft.com/office/drawing/2010/main">
+                  <a14:hiddenEffects xmlns:a14="http://schemas.microsoft.com/office/drawing/2010/main" xmlns="">
                     <a:effectLst>
                       <a:outerShdw blurRad="63500" dist="38099" dir="2700000" algn="ctr" rotWithShape="0">
                         <a:schemeClr val="bg2">
@@ -20864,7 +20851,7 @@
                 <a:effectLst/>
                 <a:extLst>
                   <a:ext uri="{91240B29-F687-4f45-9708-019B960494DF}">
-                    <a14:hiddenLine xmlns="" xmlns:a14="http://schemas.microsoft.com/office/drawing/2010/main" w="9525">
+                    <a14:hiddenLine xmlns:a14="http://schemas.microsoft.com/office/drawing/2010/main" xmlns="" w="9525">
                       <a:solidFill>
                         <a:schemeClr val="tx1"/>
                       </a:solidFill>
@@ -20874,7 +20861,7 @@
                     </a14:hiddenLine>
                   </a:ext>
                   <a:ext uri="{AF507438-7753-43e0-B8FC-AC1667EBCBE1}">
-                    <a14:hiddenEffects xmlns="" xmlns:a14="http://schemas.microsoft.com/office/drawing/2010/main">
+                    <a14:hiddenEffects xmlns:a14="http://schemas.microsoft.com/office/drawing/2010/main" xmlns="">
                       <a:effectLst>
                         <a:outerShdw blurRad="63500" dist="38099" dir="2700000" algn="ctr" rotWithShape="0">
                           <a:schemeClr val="bg2">
@@ -20968,7 +20955,7 @@
                 <a:effectLst/>
                 <a:extLst>
                   <a:ext uri="{91240B29-F687-4f45-9708-019B960494DF}">
-                    <a14:hiddenLine xmlns="" xmlns:a14="http://schemas.microsoft.com/office/drawing/2010/main" w="9525">
+                    <a14:hiddenLine xmlns:a14="http://schemas.microsoft.com/office/drawing/2010/main" xmlns="" w="9525">
                       <a:solidFill>
                         <a:schemeClr val="tx1"/>
                       </a:solidFill>
@@ -20978,7 +20965,7 @@
                     </a14:hiddenLine>
                   </a:ext>
                   <a:ext uri="{AF507438-7753-43e0-B8FC-AC1667EBCBE1}">
-                    <a14:hiddenEffects xmlns="" xmlns:a14="http://schemas.microsoft.com/office/drawing/2010/main">
+                    <a14:hiddenEffects xmlns:a14="http://schemas.microsoft.com/office/drawing/2010/main" xmlns="">
                       <a:effectLst>
                         <a:outerShdw blurRad="63500" dist="38099" dir="2700000" algn="ctr" rotWithShape="0">
                           <a:schemeClr val="bg2">
@@ -21245,7 +21232,7 @@
                 <a:effectLst/>
                 <a:extLst>
                   <a:ext uri="{91240B29-F687-4f45-9708-019B960494DF}">
-                    <a14:hiddenLine xmlns="" xmlns:a14="http://schemas.microsoft.com/office/drawing/2010/main" w="9525">
+                    <a14:hiddenLine xmlns:a14="http://schemas.microsoft.com/office/drawing/2010/main" xmlns="" w="9525">
                       <a:solidFill>
                         <a:schemeClr val="tx1"/>
                       </a:solidFill>
@@ -21255,7 +21242,7 @@
                     </a14:hiddenLine>
                   </a:ext>
                   <a:ext uri="{AF507438-7753-43e0-B8FC-AC1667EBCBE1}">
-                    <a14:hiddenEffects xmlns="" xmlns:a14="http://schemas.microsoft.com/office/drawing/2010/main">
+                    <a14:hiddenEffects xmlns:a14="http://schemas.microsoft.com/office/drawing/2010/main" xmlns="">
                       <a:effectLst>
                         <a:outerShdw blurRad="63500" dist="38099" dir="2700000" algn="ctr" rotWithShape="0">
                           <a:schemeClr val="bg2">
@@ -21349,7 +21336,7 @@
                 <a:effectLst/>
                 <a:extLst>
                   <a:ext uri="{91240B29-F687-4f45-9708-019B960494DF}">
-                    <a14:hiddenLine xmlns="" xmlns:a14="http://schemas.microsoft.com/office/drawing/2010/main" w="9525">
+                    <a14:hiddenLine xmlns:a14="http://schemas.microsoft.com/office/drawing/2010/main" xmlns="" w="9525">
                       <a:solidFill>
                         <a:schemeClr val="tx1"/>
                       </a:solidFill>
@@ -21359,7 +21346,7 @@
                     </a14:hiddenLine>
                   </a:ext>
                   <a:ext uri="{AF507438-7753-43e0-B8FC-AC1667EBCBE1}">
-                    <a14:hiddenEffects xmlns="" xmlns:a14="http://schemas.microsoft.com/office/drawing/2010/main">
+                    <a14:hiddenEffects xmlns:a14="http://schemas.microsoft.com/office/drawing/2010/main" xmlns="">
                       <a:effectLst>
                         <a:outerShdw blurRad="63500" dist="38099" dir="2700000" algn="ctr" rotWithShape="0">
                           <a:schemeClr val="bg2">
@@ -21457,7 +21444,7 @@
               <a:effectLst/>
               <a:extLst>
                 <a:ext uri="{AF507438-7753-43e0-B8FC-AC1667EBCBE1}">
-                  <a14:hiddenEffects xmlns="" xmlns:a14="http://schemas.microsoft.com/office/drawing/2010/main">
+                  <a14:hiddenEffects xmlns:a14="http://schemas.microsoft.com/office/drawing/2010/main" xmlns="">
                     <a:effectLst>
                       <a:outerShdw blurRad="63500" dist="38099" dir="2700000" algn="ctr" rotWithShape="0">
                         <a:schemeClr val="bg2">
@@ -21860,7 +21847,7 @@
               <a:effectLst/>
               <a:extLst>
                 <a:ext uri="{91240B29-F687-4f45-9708-019B960494DF}">
-                  <a14:hiddenLine xmlns="" xmlns:a14="http://schemas.microsoft.com/office/drawing/2010/main" w="9525">
+                  <a14:hiddenLine xmlns:a14="http://schemas.microsoft.com/office/drawing/2010/main" xmlns="" w="9525">
                     <a:solidFill>
                       <a:schemeClr val="tx1"/>
                     </a:solidFill>
@@ -21870,7 +21857,7 @@
                   </a14:hiddenLine>
                 </a:ext>
                 <a:ext uri="{AF507438-7753-43e0-B8FC-AC1667EBCBE1}">
-                  <a14:hiddenEffects xmlns="" xmlns:a14="http://schemas.microsoft.com/office/drawing/2010/main">
+                  <a14:hiddenEffects xmlns:a14="http://schemas.microsoft.com/office/drawing/2010/main" xmlns="">
                     <a:effectLst>
                       <a:outerShdw blurRad="63500" dist="38099" dir="2700000" algn="ctr" rotWithShape="0">
                         <a:schemeClr val="bg2">
@@ -22103,7 +22090,7 @@
               <a:effectLst/>
               <a:extLst>
                 <a:ext uri="{AF507438-7753-43e0-B8FC-AC1667EBCBE1}">
-                  <a14:hiddenEffects xmlns="" xmlns:a14="http://schemas.microsoft.com/office/drawing/2010/main">
+                  <a14:hiddenEffects xmlns:a14="http://schemas.microsoft.com/office/drawing/2010/main" xmlns="">
                     <a:effectLst>
                       <a:outerShdw blurRad="63500" dist="38099" dir="2700000" algn="ctr" rotWithShape="0">
                         <a:schemeClr val="bg2">
@@ -22199,7 +22186,7 @@
               <a:effectLst/>
               <a:extLst>
                 <a:ext uri="{AF507438-7753-43e0-B8FC-AC1667EBCBE1}">
-                  <a14:hiddenEffects xmlns="" xmlns:a14="http://schemas.microsoft.com/office/drawing/2010/main">
+                  <a14:hiddenEffects xmlns:a14="http://schemas.microsoft.com/office/drawing/2010/main" xmlns="">
                     <a:effectLst>
                       <a:outerShdw blurRad="63500" dist="38099" dir="2700000" algn="ctr" rotWithShape="0">
                         <a:schemeClr val="bg2">
@@ -22280,7 +22267,7 @@
               <a:effectLst/>
               <a:extLst>
                 <a:ext uri="{91240B29-F687-4f45-9708-019B960494DF}">
-                  <a14:hiddenLine xmlns="" xmlns:a14="http://schemas.microsoft.com/office/drawing/2010/main" w="9525">
+                  <a14:hiddenLine xmlns:a14="http://schemas.microsoft.com/office/drawing/2010/main" xmlns="" w="9525">
                     <a:solidFill>
                       <a:schemeClr val="tx1"/>
                     </a:solidFill>
@@ -22290,7 +22277,7 @@
                   </a14:hiddenLine>
                 </a:ext>
                 <a:ext uri="{AF507438-7753-43e0-B8FC-AC1667EBCBE1}">
-                  <a14:hiddenEffects xmlns="" xmlns:a14="http://schemas.microsoft.com/office/drawing/2010/main">
+                  <a14:hiddenEffects xmlns:a14="http://schemas.microsoft.com/office/drawing/2010/main" xmlns="">
                     <a:effectLst>
                       <a:outerShdw blurRad="63500" dist="38099" dir="2700000" algn="ctr" rotWithShape="0">
                         <a:schemeClr val="bg2">
@@ -22371,7 +22358,7 @@
               <a:effectLst/>
               <a:extLst>
                 <a:ext uri="{91240B29-F687-4f45-9708-019B960494DF}">
-                  <a14:hiddenLine xmlns="" xmlns:a14="http://schemas.microsoft.com/office/drawing/2010/main" w="9525">
+                  <a14:hiddenLine xmlns:a14="http://schemas.microsoft.com/office/drawing/2010/main" xmlns="" w="9525">
                     <a:solidFill>
                       <a:schemeClr val="tx1"/>
                     </a:solidFill>
@@ -22381,7 +22368,7 @@
                   </a14:hiddenLine>
                 </a:ext>
                 <a:ext uri="{AF507438-7753-43e0-B8FC-AC1667EBCBE1}">
-                  <a14:hiddenEffects xmlns="" xmlns:a14="http://schemas.microsoft.com/office/drawing/2010/main">
+                  <a14:hiddenEffects xmlns:a14="http://schemas.microsoft.com/office/drawing/2010/main" xmlns="">
                     <a:effectLst>
                       <a:outerShdw blurRad="63500" dist="38099" dir="2700000" algn="ctr" rotWithShape="0">
                         <a:schemeClr val="bg2">
@@ -22462,7 +22449,7 @@
               <a:effectLst/>
               <a:extLst>
                 <a:ext uri="{91240B29-F687-4f45-9708-019B960494DF}">
-                  <a14:hiddenLine xmlns="" xmlns:a14="http://schemas.microsoft.com/office/drawing/2010/main" w="9525">
+                  <a14:hiddenLine xmlns:a14="http://schemas.microsoft.com/office/drawing/2010/main" xmlns="" w="9525">
                     <a:solidFill>
                       <a:schemeClr val="tx1"/>
                     </a:solidFill>
@@ -22472,7 +22459,7 @@
                   </a14:hiddenLine>
                 </a:ext>
                 <a:ext uri="{AF507438-7753-43e0-B8FC-AC1667EBCBE1}">
-                  <a14:hiddenEffects xmlns="" xmlns:a14="http://schemas.microsoft.com/office/drawing/2010/main">
+                  <a14:hiddenEffects xmlns:a14="http://schemas.microsoft.com/office/drawing/2010/main" xmlns="">
                     <a:effectLst>
                       <a:outerShdw blurRad="63500" dist="38099" dir="2700000" algn="ctr" rotWithShape="0">
                         <a:schemeClr val="bg2">
@@ -22558,7 +22545,7 @@
               <a:effectLst/>
               <a:extLst>
                 <a:ext uri="{AF507438-7753-43e0-B8FC-AC1667EBCBE1}">
-                  <a14:hiddenEffects xmlns="" xmlns:a14="http://schemas.microsoft.com/office/drawing/2010/main">
+                  <a14:hiddenEffects xmlns:a14="http://schemas.microsoft.com/office/drawing/2010/main" xmlns="">
                     <a:effectLst>
                       <a:outerShdw blurRad="63500" dist="38099" dir="2700000" algn="ctr" rotWithShape="0">
                         <a:schemeClr val="bg2">
@@ -22643,12 +22630,12 @@
             <a:effectLst/>
             <a:extLst>
               <a:ext uri="{909E8E84-426E-40dd-AFC4-6F175D3DCCD1}">
-                <a14:hiddenFill xmlns="" xmlns:a14="http://schemas.microsoft.com/office/drawing/2010/main">
+                <a14:hiddenFill xmlns:a14="http://schemas.microsoft.com/office/drawing/2010/main" xmlns="">
                   <a:noFill/>
                 </a14:hiddenFill>
               </a:ext>
               <a:ext uri="{AF507438-7753-43e0-B8FC-AC1667EBCBE1}">
-                <a14:hiddenEffects xmlns="" xmlns:a14="http://schemas.microsoft.com/office/drawing/2010/main">
+                <a14:hiddenEffects xmlns:a14="http://schemas.microsoft.com/office/drawing/2010/main" xmlns="">
                   <a:effectLst>
                     <a:outerShdw blurRad="63500" dist="38099" dir="2700000" algn="ctr" rotWithShape="0">
                       <a:schemeClr val="bg2">
@@ -22732,12 +22719,12 @@
             <a:effectLst/>
             <a:extLst>
               <a:ext uri="{909E8E84-426E-40dd-AFC4-6F175D3DCCD1}">
-                <a14:hiddenFill xmlns="" xmlns:a14="http://schemas.microsoft.com/office/drawing/2010/main">
+                <a14:hiddenFill xmlns:a14="http://schemas.microsoft.com/office/drawing/2010/main" xmlns="">
                   <a:noFill/>
                 </a14:hiddenFill>
               </a:ext>
               <a:ext uri="{AF507438-7753-43e0-B8FC-AC1667EBCBE1}">
-                <a14:hiddenEffects xmlns="" xmlns:a14="http://schemas.microsoft.com/office/drawing/2010/main">
+                <a14:hiddenEffects xmlns:a14="http://schemas.microsoft.com/office/drawing/2010/main" xmlns="">
                   <a:effectLst>
                     <a:outerShdw blurRad="63500" dist="38099" dir="2700000" algn="ctr" rotWithShape="0">
                       <a:schemeClr val="bg2">
@@ -26454,7 +26441,7 @@
             <a:effectLst/>
             <a:extLst>
               <a:ext uri="{91240B29-F687-4f45-9708-019B960494DF}">
-                <a14:hiddenLine xmlns="" xmlns:a14="http://schemas.microsoft.com/office/drawing/2010/main" w="9525">
+                <a14:hiddenLine xmlns:a14="http://schemas.microsoft.com/office/drawing/2010/main" xmlns="" w="9525">
                   <a:solidFill>
                     <a:schemeClr val="tx1"/>
                   </a:solidFill>
@@ -26464,7 +26451,7 @@
                 </a14:hiddenLine>
               </a:ext>
               <a:ext uri="{AF507438-7753-43e0-B8FC-AC1667EBCBE1}">
-                <a14:hiddenEffects xmlns="" xmlns:a14="http://schemas.microsoft.com/office/drawing/2010/main">
+                <a14:hiddenEffects xmlns:a14="http://schemas.microsoft.com/office/drawing/2010/main" xmlns="">
                   <a:effectLst>
                     <a:outerShdw blurRad="63500" dist="38099" dir="2700000" algn="ctr" rotWithShape="0">
                       <a:schemeClr val="bg2">
@@ -26859,7 +26846,7 @@
             <a:effectLst/>
             <a:extLst>
               <a:ext uri="{AF507438-7753-43e0-B8FC-AC1667EBCBE1}">
-                <a14:hiddenEffects xmlns="" xmlns:a14="http://schemas.microsoft.com/office/drawing/2010/main">
+                <a14:hiddenEffects xmlns:a14="http://schemas.microsoft.com/office/drawing/2010/main" xmlns="">
                   <a:effectLst>
                     <a:outerShdw blurRad="63500" dist="38099" dir="2700000" algn="ctr" rotWithShape="0">
                       <a:schemeClr val="bg2">
@@ -26964,7 +26951,7 @@
               <a:effectLst/>
               <a:extLst>
                 <a:ext uri="{91240B29-F687-4f45-9708-019B960494DF}">
-                  <a14:hiddenLine xmlns="" xmlns:a14="http://schemas.microsoft.com/office/drawing/2010/main" w="9525">
+                  <a14:hiddenLine xmlns:a14="http://schemas.microsoft.com/office/drawing/2010/main" xmlns="" w="9525">
                     <a:solidFill>
                       <a:schemeClr val="tx1"/>
                     </a:solidFill>
@@ -26974,7 +26961,7 @@
                   </a14:hiddenLine>
                 </a:ext>
                 <a:ext uri="{AF507438-7753-43e0-B8FC-AC1667EBCBE1}">
-                  <a14:hiddenEffects xmlns="" xmlns:a14="http://schemas.microsoft.com/office/drawing/2010/main">
+                  <a14:hiddenEffects xmlns:a14="http://schemas.microsoft.com/office/drawing/2010/main" xmlns="">
                     <a:effectLst>
                       <a:outerShdw blurRad="63500" dist="38099" dir="2700000" algn="ctr" rotWithShape="0">
                         <a:schemeClr val="bg2">
@@ -27068,7 +27055,7 @@
               <a:effectLst/>
               <a:extLst>
                 <a:ext uri="{91240B29-F687-4f45-9708-019B960494DF}">
-                  <a14:hiddenLine xmlns="" xmlns:a14="http://schemas.microsoft.com/office/drawing/2010/main" w="9525">
+                  <a14:hiddenLine xmlns:a14="http://schemas.microsoft.com/office/drawing/2010/main" xmlns="" w="9525">
                     <a:solidFill>
                       <a:schemeClr val="tx1"/>
                     </a:solidFill>
@@ -27078,7 +27065,7 @@
                   </a14:hiddenLine>
                 </a:ext>
                 <a:ext uri="{AF507438-7753-43e0-B8FC-AC1667EBCBE1}">
-                  <a14:hiddenEffects xmlns="" xmlns:a14="http://schemas.microsoft.com/office/drawing/2010/main">
+                  <a14:hiddenEffects xmlns:a14="http://schemas.microsoft.com/office/drawing/2010/main" xmlns="">
                     <a:effectLst>
                       <a:outerShdw blurRad="63500" dist="38099" dir="2700000" algn="ctr" rotWithShape="0">
                         <a:schemeClr val="bg2">
@@ -27165,7 +27152,7 @@
             <a:effectLst/>
             <a:extLst>
               <a:ext uri="{AF507438-7753-43e0-B8FC-AC1667EBCBE1}">
-                <a14:hiddenEffects xmlns="" xmlns:a14="http://schemas.microsoft.com/office/drawing/2010/main">
+                <a14:hiddenEffects xmlns:a14="http://schemas.microsoft.com/office/drawing/2010/main" xmlns="">
                   <a:effectLst>
                     <a:outerShdw blurRad="63500" dist="38099" dir="2700000" algn="ctr" rotWithShape="0">
                       <a:schemeClr val="bg2">
@@ -27270,7 +27257,7 @@
               <a:effectLst/>
               <a:extLst>
                 <a:ext uri="{91240B29-F687-4f45-9708-019B960494DF}">
-                  <a14:hiddenLine xmlns="" xmlns:a14="http://schemas.microsoft.com/office/drawing/2010/main" w="9525">
+                  <a14:hiddenLine xmlns:a14="http://schemas.microsoft.com/office/drawing/2010/main" xmlns="" w="9525">
                     <a:solidFill>
                       <a:schemeClr val="tx1"/>
                     </a:solidFill>
@@ -27280,7 +27267,7 @@
                   </a14:hiddenLine>
                 </a:ext>
                 <a:ext uri="{AF507438-7753-43e0-B8FC-AC1667EBCBE1}">
-                  <a14:hiddenEffects xmlns="" xmlns:a14="http://schemas.microsoft.com/office/drawing/2010/main">
+                  <a14:hiddenEffects xmlns:a14="http://schemas.microsoft.com/office/drawing/2010/main" xmlns="">
                     <a:effectLst>
                       <a:outerShdw blurRad="63500" dist="38099" dir="2700000" algn="ctr" rotWithShape="0">
                         <a:schemeClr val="bg2">
@@ -27374,7 +27361,7 @@
               <a:effectLst/>
               <a:extLst>
                 <a:ext uri="{91240B29-F687-4f45-9708-019B960494DF}">
-                  <a14:hiddenLine xmlns="" xmlns:a14="http://schemas.microsoft.com/office/drawing/2010/main" w="9525">
+                  <a14:hiddenLine xmlns:a14="http://schemas.microsoft.com/office/drawing/2010/main" xmlns="" w="9525">
                     <a:solidFill>
                       <a:schemeClr val="tx1"/>
                     </a:solidFill>
@@ -27384,7 +27371,7 @@
                   </a14:hiddenLine>
                 </a:ext>
                 <a:ext uri="{AF507438-7753-43e0-B8FC-AC1667EBCBE1}">
-                  <a14:hiddenEffects xmlns="" xmlns:a14="http://schemas.microsoft.com/office/drawing/2010/main">
+                  <a14:hiddenEffects xmlns:a14="http://schemas.microsoft.com/office/drawing/2010/main" xmlns="">
                     <a:effectLst>
                       <a:outerShdw blurRad="63500" dist="38099" dir="2700000" algn="ctr" rotWithShape="0">
                         <a:schemeClr val="bg2">
@@ -27471,7 +27458,7 @@
             <a:effectLst/>
             <a:extLst>
               <a:ext uri="{AF507438-7753-43e0-B8FC-AC1667EBCBE1}">
-                <a14:hiddenEffects xmlns="" xmlns:a14="http://schemas.microsoft.com/office/drawing/2010/main">
+                <a14:hiddenEffects xmlns:a14="http://schemas.microsoft.com/office/drawing/2010/main" xmlns="">
                   <a:effectLst>
                     <a:outerShdw blurRad="63500" dist="38099" dir="2700000" algn="ctr" rotWithShape="0">
                       <a:schemeClr val="bg2">
@@ -27557,7 +27544,7 @@
             <a:effectLst/>
             <a:extLst>
               <a:ext uri="{AF507438-7753-43e0-B8FC-AC1667EBCBE1}">
-                <a14:hiddenEffects xmlns="" xmlns:a14="http://schemas.microsoft.com/office/drawing/2010/main">
+                <a14:hiddenEffects xmlns:a14="http://schemas.microsoft.com/office/drawing/2010/main" xmlns="">
                   <a:effectLst>
                     <a:outerShdw blurRad="63500" dist="38099" dir="2700000" algn="ctr" rotWithShape="0">
                       <a:schemeClr val="bg2">
@@ -27662,7 +27649,7 @@
               <a:effectLst/>
               <a:extLst>
                 <a:ext uri="{91240B29-F687-4f45-9708-019B960494DF}">
-                  <a14:hiddenLine xmlns="" xmlns:a14="http://schemas.microsoft.com/office/drawing/2010/main" w="9525">
+                  <a14:hiddenLine xmlns:a14="http://schemas.microsoft.com/office/drawing/2010/main" xmlns="" w="9525">
                     <a:solidFill>
                       <a:schemeClr val="tx1"/>
                     </a:solidFill>
@@ -27672,7 +27659,7 @@
                   </a14:hiddenLine>
                 </a:ext>
                 <a:ext uri="{AF507438-7753-43e0-B8FC-AC1667EBCBE1}">
-                  <a14:hiddenEffects xmlns="" xmlns:a14="http://schemas.microsoft.com/office/drawing/2010/main">
+                  <a14:hiddenEffects xmlns:a14="http://schemas.microsoft.com/office/drawing/2010/main" xmlns="">
                     <a:effectLst>
                       <a:outerShdw blurRad="63500" dist="38099" dir="2700000" algn="ctr" rotWithShape="0">
                         <a:schemeClr val="bg2">
@@ -27766,7 +27753,7 @@
               <a:effectLst/>
               <a:extLst>
                 <a:ext uri="{91240B29-F687-4f45-9708-019B960494DF}">
-                  <a14:hiddenLine xmlns="" xmlns:a14="http://schemas.microsoft.com/office/drawing/2010/main" w="9525">
+                  <a14:hiddenLine xmlns:a14="http://schemas.microsoft.com/office/drawing/2010/main" xmlns="" w="9525">
                     <a:solidFill>
                       <a:schemeClr val="tx1"/>
                     </a:solidFill>
@@ -27776,7 +27763,7 @@
                   </a14:hiddenLine>
                 </a:ext>
                 <a:ext uri="{AF507438-7753-43e0-B8FC-AC1667EBCBE1}">
-                  <a14:hiddenEffects xmlns="" xmlns:a14="http://schemas.microsoft.com/office/drawing/2010/main">
+                  <a14:hiddenEffects xmlns:a14="http://schemas.microsoft.com/office/drawing/2010/main" xmlns="">
                     <a:effectLst>
                       <a:outerShdw blurRad="63500" dist="38099" dir="2700000" algn="ctr" rotWithShape="0">
                         <a:schemeClr val="bg2">
@@ -28043,7 +28030,7 @@
               <a:effectLst/>
               <a:extLst>
                 <a:ext uri="{91240B29-F687-4f45-9708-019B960494DF}">
-                  <a14:hiddenLine xmlns="" xmlns:a14="http://schemas.microsoft.com/office/drawing/2010/main" w="9525">
+                  <a14:hiddenLine xmlns:a14="http://schemas.microsoft.com/office/drawing/2010/main" xmlns="" w="9525">
                     <a:solidFill>
                       <a:schemeClr val="tx1"/>
                     </a:solidFill>
@@ -28053,7 +28040,7 @@
                   </a14:hiddenLine>
                 </a:ext>
                 <a:ext uri="{AF507438-7753-43e0-B8FC-AC1667EBCBE1}">
-                  <a14:hiddenEffects xmlns="" xmlns:a14="http://schemas.microsoft.com/office/drawing/2010/main">
+                  <a14:hiddenEffects xmlns:a14="http://schemas.microsoft.com/office/drawing/2010/main" xmlns="">
                     <a:effectLst>
                       <a:outerShdw blurRad="63500" dist="38099" dir="2700000" algn="ctr" rotWithShape="0">
                         <a:schemeClr val="bg2">
@@ -28147,7 +28134,7 @@
               <a:effectLst/>
               <a:extLst>
                 <a:ext uri="{91240B29-F687-4f45-9708-019B960494DF}">
-                  <a14:hiddenLine xmlns="" xmlns:a14="http://schemas.microsoft.com/office/drawing/2010/main" w="9525">
+                  <a14:hiddenLine xmlns:a14="http://schemas.microsoft.com/office/drawing/2010/main" xmlns="" w="9525">
                     <a:solidFill>
                       <a:schemeClr val="tx1"/>
                     </a:solidFill>
@@ -28157,7 +28144,7 @@
                   </a14:hiddenLine>
                 </a:ext>
                 <a:ext uri="{AF507438-7753-43e0-B8FC-AC1667EBCBE1}">
-                  <a14:hiddenEffects xmlns="" xmlns:a14="http://schemas.microsoft.com/office/drawing/2010/main">
+                  <a14:hiddenEffects xmlns:a14="http://schemas.microsoft.com/office/drawing/2010/main" xmlns="">
                     <a:effectLst>
                       <a:outerShdw blurRad="63500" dist="38099" dir="2700000" algn="ctr" rotWithShape="0">
                         <a:schemeClr val="bg2">
@@ -28255,7 +28242,7 @@
             <a:effectLst/>
             <a:extLst>
               <a:ext uri="{AF507438-7753-43e0-B8FC-AC1667EBCBE1}">
-                <a14:hiddenEffects xmlns="" xmlns:a14="http://schemas.microsoft.com/office/drawing/2010/main">
+                <a14:hiddenEffects xmlns:a14="http://schemas.microsoft.com/office/drawing/2010/main" xmlns="">
                   <a:effectLst>
                     <a:outerShdw blurRad="63500" dist="38099" dir="2700000" algn="ctr" rotWithShape="0">
                       <a:schemeClr val="bg2">
@@ -28658,7 +28645,7 @@
             <a:effectLst/>
             <a:extLst>
               <a:ext uri="{91240B29-F687-4f45-9708-019B960494DF}">
-                <a14:hiddenLine xmlns="" xmlns:a14="http://schemas.microsoft.com/office/drawing/2010/main" w="9525">
+                <a14:hiddenLine xmlns:a14="http://schemas.microsoft.com/office/drawing/2010/main" xmlns="" w="9525">
                   <a:solidFill>
                     <a:schemeClr val="tx1"/>
                   </a:solidFill>
@@ -28668,7 +28655,7 @@
                 </a14:hiddenLine>
               </a:ext>
               <a:ext uri="{AF507438-7753-43e0-B8FC-AC1667EBCBE1}">
-                <a14:hiddenEffects xmlns="" xmlns:a14="http://schemas.microsoft.com/office/drawing/2010/main">
+                <a14:hiddenEffects xmlns:a14="http://schemas.microsoft.com/office/drawing/2010/main" xmlns="">
                   <a:effectLst>
                     <a:outerShdw blurRad="63500" dist="38099" dir="2700000" algn="ctr" rotWithShape="0">
                       <a:schemeClr val="bg2">
@@ -28901,7 +28888,7 @@
             <a:effectLst/>
             <a:extLst>
               <a:ext uri="{AF507438-7753-43e0-B8FC-AC1667EBCBE1}">
-                <a14:hiddenEffects xmlns="" xmlns:a14="http://schemas.microsoft.com/office/drawing/2010/main">
+                <a14:hiddenEffects xmlns:a14="http://schemas.microsoft.com/office/drawing/2010/main" xmlns="">
                   <a:effectLst>
                     <a:outerShdw blurRad="63500" dist="38099" dir="2700000" algn="ctr" rotWithShape="0">
                       <a:schemeClr val="bg2">
@@ -28997,7 +28984,7 @@
             <a:effectLst/>
             <a:extLst>
               <a:ext uri="{AF507438-7753-43e0-B8FC-AC1667EBCBE1}">
-                <a14:hiddenEffects xmlns="" xmlns:a14="http://schemas.microsoft.com/office/drawing/2010/main">
+                <a14:hiddenEffects xmlns:a14="http://schemas.microsoft.com/office/drawing/2010/main" xmlns="">
                   <a:effectLst>
                     <a:outerShdw blurRad="63500" dist="38099" dir="2700000" algn="ctr" rotWithShape="0">
                       <a:schemeClr val="bg2">
@@ -29078,7 +29065,7 @@
             <a:effectLst/>
             <a:extLst>
               <a:ext uri="{91240B29-F687-4f45-9708-019B960494DF}">
-                <a14:hiddenLine xmlns="" xmlns:a14="http://schemas.microsoft.com/office/drawing/2010/main" w="9525">
+                <a14:hiddenLine xmlns:a14="http://schemas.microsoft.com/office/drawing/2010/main" xmlns="" w="9525">
                   <a:solidFill>
                     <a:schemeClr val="tx1"/>
                   </a:solidFill>
@@ -29088,7 +29075,7 @@
                 </a14:hiddenLine>
               </a:ext>
               <a:ext uri="{AF507438-7753-43e0-B8FC-AC1667EBCBE1}">
-                <a14:hiddenEffects xmlns="" xmlns:a14="http://schemas.microsoft.com/office/drawing/2010/main">
+                <a14:hiddenEffects xmlns:a14="http://schemas.microsoft.com/office/drawing/2010/main" xmlns="">
                   <a:effectLst>
                     <a:outerShdw blurRad="63500" dist="38099" dir="2700000" algn="ctr" rotWithShape="0">
                       <a:schemeClr val="bg2">
@@ -29169,7 +29156,7 @@
             <a:effectLst/>
             <a:extLst>
               <a:ext uri="{91240B29-F687-4f45-9708-019B960494DF}">
-                <a14:hiddenLine xmlns="" xmlns:a14="http://schemas.microsoft.com/office/drawing/2010/main" w="9525">
+                <a14:hiddenLine xmlns:a14="http://schemas.microsoft.com/office/drawing/2010/main" xmlns="" w="9525">
                   <a:solidFill>
                     <a:schemeClr val="tx1"/>
                   </a:solidFill>
@@ -29179,7 +29166,7 @@
                 </a14:hiddenLine>
               </a:ext>
               <a:ext uri="{AF507438-7753-43e0-B8FC-AC1667EBCBE1}">
-                <a14:hiddenEffects xmlns="" xmlns:a14="http://schemas.microsoft.com/office/drawing/2010/main">
+                <a14:hiddenEffects xmlns:a14="http://schemas.microsoft.com/office/drawing/2010/main" xmlns="">
                   <a:effectLst>
                     <a:outerShdw blurRad="63500" dist="38099" dir="2700000" algn="ctr" rotWithShape="0">
                       <a:schemeClr val="bg2">
@@ -29260,7 +29247,7 @@
             <a:effectLst/>
             <a:extLst>
               <a:ext uri="{91240B29-F687-4f45-9708-019B960494DF}">
-                <a14:hiddenLine xmlns="" xmlns:a14="http://schemas.microsoft.com/office/drawing/2010/main" w="9525">
+                <a14:hiddenLine xmlns:a14="http://schemas.microsoft.com/office/drawing/2010/main" xmlns="" w="9525">
                   <a:solidFill>
                     <a:schemeClr val="tx1"/>
                   </a:solidFill>
@@ -29270,7 +29257,7 @@
                 </a14:hiddenLine>
               </a:ext>
               <a:ext uri="{AF507438-7753-43e0-B8FC-AC1667EBCBE1}">
-                <a14:hiddenEffects xmlns="" xmlns:a14="http://schemas.microsoft.com/office/drawing/2010/main">
+                <a14:hiddenEffects xmlns:a14="http://schemas.microsoft.com/office/drawing/2010/main" xmlns="">
                   <a:effectLst>
                     <a:outerShdw blurRad="63500" dist="38099" dir="2700000" algn="ctr" rotWithShape="0">
                       <a:schemeClr val="bg2">
@@ -29356,7 +29343,7 @@
             <a:effectLst/>
             <a:extLst>
               <a:ext uri="{AF507438-7753-43e0-B8FC-AC1667EBCBE1}">
-                <a14:hiddenEffects xmlns="" xmlns:a14="http://schemas.microsoft.com/office/drawing/2010/main">
+                <a14:hiddenEffects xmlns:a14="http://schemas.microsoft.com/office/drawing/2010/main" xmlns="">
                   <a:effectLst>
                     <a:outerShdw blurRad="63500" dist="38099" dir="2700000" algn="ctr" rotWithShape="0">
                       <a:schemeClr val="bg2">
@@ -35204,7 +35191,7 @@
             <a:effectLst/>
             <a:extLst>
               <a:ext uri="{91240B29-F687-4f45-9708-019B960494DF}">
-                <a14:hiddenLine xmlns="" xmlns:a14="http://schemas.microsoft.com/office/drawing/2010/main" w="9525">
+                <a14:hiddenLine xmlns:a14="http://schemas.microsoft.com/office/drawing/2010/main" xmlns="" w="9525">
                   <a:solidFill>
                     <a:schemeClr val="tx1"/>
                   </a:solidFill>
@@ -35214,7 +35201,7 @@
                 </a14:hiddenLine>
               </a:ext>
               <a:ext uri="{AF507438-7753-43e0-B8FC-AC1667EBCBE1}">
-                <a14:hiddenEffects xmlns="" xmlns:a14="http://schemas.microsoft.com/office/drawing/2010/main">
+                <a14:hiddenEffects xmlns:a14="http://schemas.microsoft.com/office/drawing/2010/main" xmlns="">
                   <a:effectLst>
                     <a:outerShdw blurRad="63500" dist="38099" dir="2700000" algn="ctr" rotWithShape="0">
                       <a:schemeClr val="bg2">
@@ -35609,7 +35596,7 @@
             <a:effectLst/>
             <a:extLst>
               <a:ext uri="{AF507438-7753-43e0-B8FC-AC1667EBCBE1}">
-                <a14:hiddenEffects xmlns="" xmlns:a14="http://schemas.microsoft.com/office/drawing/2010/main">
+                <a14:hiddenEffects xmlns:a14="http://schemas.microsoft.com/office/drawing/2010/main" xmlns="">
                   <a:effectLst>
                     <a:outerShdw blurRad="63500" dist="38099" dir="2700000" algn="ctr" rotWithShape="0">
                       <a:schemeClr val="bg2">
@@ -35714,7 +35701,7 @@
               <a:effectLst/>
               <a:extLst>
                 <a:ext uri="{91240B29-F687-4f45-9708-019B960494DF}">
-                  <a14:hiddenLine xmlns="" xmlns:a14="http://schemas.microsoft.com/office/drawing/2010/main" w="9525">
+                  <a14:hiddenLine xmlns:a14="http://schemas.microsoft.com/office/drawing/2010/main" xmlns="" w="9525">
                     <a:solidFill>
                       <a:schemeClr val="tx1"/>
                     </a:solidFill>
@@ -35724,7 +35711,7 @@
                   </a14:hiddenLine>
                 </a:ext>
                 <a:ext uri="{AF507438-7753-43e0-B8FC-AC1667EBCBE1}">
-                  <a14:hiddenEffects xmlns="" xmlns:a14="http://schemas.microsoft.com/office/drawing/2010/main">
+                  <a14:hiddenEffects xmlns:a14="http://schemas.microsoft.com/office/drawing/2010/main" xmlns="">
                     <a:effectLst>
                       <a:outerShdw blurRad="63500" dist="38099" dir="2700000" algn="ctr" rotWithShape="0">
                         <a:schemeClr val="bg2">
@@ -35818,7 +35805,7 @@
               <a:effectLst/>
               <a:extLst>
                 <a:ext uri="{91240B29-F687-4f45-9708-019B960494DF}">
-                  <a14:hiddenLine xmlns="" xmlns:a14="http://schemas.microsoft.com/office/drawing/2010/main" w="9525">
+                  <a14:hiddenLine xmlns:a14="http://schemas.microsoft.com/office/drawing/2010/main" xmlns="" w="9525">
                     <a:solidFill>
                       <a:schemeClr val="tx1"/>
                     </a:solidFill>
@@ -35828,7 +35815,7 @@
                   </a14:hiddenLine>
                 </a:ext>
                 <a:ext uri="{AF507438-7753-43e0-B8FC-AC1667EBCBE1}">
-                  <a14:hiddenEffects xmlns="" xmlns:a14="http://schemas.microsoft.com/office/drawing/2010/main">
+                  <a14:hiddenEffects xmlns:a14="http://schemas.microsoft.com/office/drawing/2010/main" xmlns="">
                     <a:effectLst>
                       <a:outerShdw blurRad="63500" dist="38099" dir="2700000" algn="ctr" rotWithShape="0">
                         <a:schemeClr val="bg2">
@@ -35915,7 +35902,7 @@
             <a:effectLst/>
             <a:extLst>
               <a:ext uri="{AF507438-7753-43e0-B8FC-AC1667EBCBE1}">
-                <a14:hiddenEffects xmlns="" xmlns:a14="http://schemas.microsoft.com/office/drawing/2010/main">
+                <a14:hiddenEffects xmlns:a14="http://schemas.microsoft.com/office/drawing/2010/main" xmlns="">
                   <a:effectLst>
                     <a:outerShdw blurRad="63500" dist="38099" dir="2700000" algn="ctr" rotWithShape="0">
                       <a:schemeClr val="bg2">
@@ -36020,7 +36007,7 @@
               <a:effectLst/>
               <a:extLst>
                 <a:ext uri="{91240B29-F687-4f45-9708-019B960494DF}">
-                  <a14:hiddenLine xmlns="" xmlns:a14="http://schemas.microsoft.com/office/drawing/2010/main" w="9525">
+                  <a14:hiddenLine xmlns:a14="http://schemas.microsoft.com/office/drawing/2010/main" xmlns="" w="9525">
                     <a:solidFill>
                       <a:schemeClr val="tx1"/>
                     </a:solidFill>
@@ -36030,7 +36017,7 @@
                   </a14:hiddenLine>
                 </a:ext>
                 <a:ext uri="{AF507438-7753-43e0-B8FC-AC1667EBCBE1}">
-                  <a14:hiddenEffects xmlns="" xmlns:a14="http://schemas.microsoft.com/office/drawing/2010/main">
+                  <a14:hiddenEffects xmlns:a14="http://schemas.microsoft.com/office/drawing/2010/main" xmlns="">
                     <a:effectLst>
                       <a:outerShdw blurRad="63500" dist="38099" dir="2700000" algn="ctr" rotWithShape="0">
                         <a:schemeClr val="bg2">
@@ -36124,7 +36111,7 @@
               <a:effectLst/>
               <a:extLst>
                 <a:ext uri="{91240B29-F687-4f45-9708-019B960494DF}">
-                  <a14:hiddenLine xmlns="" xmlns:a14="http://schemas.microsoft.com/office/drawing/2010/main" w="9525">
+                  <a14:hiddenLine xmlns:a14="http://schemas.microsoft.com/office/drawing/2010/main" xmlns="" w="9525">
                     <a:solidFill>
                       <a:schemeClr val="tx1"/>
                     </a:solidFill>
@@ -36134,7 +36121,7 @@
                   </a14:hiddenLine>
                 </a:ext>
                 <a:ext uri="{AF507438-7753-43e0-B8FC-AC1667EBCBE1}">
-                  <a14:hiddenEffects xmlns="" xmlns:a14="http://schemas.microsoft.com/office/drawing/2010/main">
+                  <a14:hiddenEffects xmlns:a14="http://schemas.microsoft.com/office/drawing/2010/main" xmlns="">
                     <a:effectLst>
                       <a:outerShdw blurRad="63500" dist="38099" dir="2700000" algn="ctr" rotWithShape="0">
                         <a:schemeClr val="bg2">
@@ -36221,7 +36208,7 @@
             <a:effectLst/>
             <a:extLst>
               <a:ext uri="{AF507438-7753-43e0-B8FC-AC1667EBCBE1}">
-                <a14:hiddenEffects xmlns="" xmlns:a14="http://schemas.microsoft.com/office/drawing/2010/main">
+                <a14:hiddenEffects xmlns:a14="http://schemas.microsoft.com/office/drawing/2010/main" xmlns="">
                   <a:effectLst>
                     <a:outerShdw blurRad="63500" dist="38099" dir="2700000" algn="ctr" rotWithShape="0">
                       <a:schemeClr val="bg2">
@@ -36307,7 +36294,7 @@
             <a:effectLst/>
             <a:extLst>
               <a:ext uri="{AF507438-7753-43e0-B8FC-AC1667EBCBE1}">
-                <a14:hiddenEffects xmlns="" xmlns:a14="http://schemas.microsoft.com/office/drawing/2010/main">
+                <a14:hiddenEffects xmlns:a14="http://schemas.microsoft.com/office/drawing/2010/main" xmlns="">
                   <a:effectLst>
                     <a:outerShdw blurRad="63500" dist="38099" dir="2700000" algn="ctr" rotWithShape="0">
                       <a:schemeClr val="bg2">
@@ -36412,7 +36399,7 @@
               <a:effectLst/>
               <a:extLst>
                 <a:ext uri="{91240B29-F687-4f45-9708-019B960494DF}">
-                  <a14:hiddenLine xmlns="" xmlns:a14="http://schemas.microsoft.com/office/drawing/2010/main" w="9525">
+                  <a14:hiddenLine xmlns:a14="http://schemas.microsoft.com/office/drawing/2010/main" xmlns="" w="9525">
                     <a:solidFill>
                       <a:schemeClr val="tx1"/>
                     </a:solidFill>
@@ -36422,7 +36409,7 @@
                   </a14:hiddenLine>
                 </a:ext>
                 <a:ext uri="{AF507438-7753-43e0-B8FC-AC1667EBCBE1}">
-                  <a14:hiddenEffects xmlns="" xmlns:a14="http://schemas.microsoft.com/office/drawing/2010/main">
+                  <a14:hiddenEffects xmlns:a14="http://schemas.microsoft.com/office/drawing/2010/main" xmlns="">
                     <a:effectLst>
                       <a:outerShdw blurRad="63500" dist="38099" dir="2700000" algn="ctr" rotWithShape="0">
                         <a:schemeClr val="bg2">
@@ -36516,7 +36503,7 @@
               <a:effectLst/>
               <a:extLst>
                 <a:ext uri="{91240B29-F687-4f45-9708-019B960494DF}">
-                  <a14:hiddenLine xmlns="" xmlns:a14="http://schemas.microsoft.com/office/drawing/2010/main" w="9525">
+                  <a14:hiddenLine xmlns:a14="http://schemas.microsoft.com/office/drawing/2010/main" xmlns="" w="9525">
                     <a:solidFill>
                       <a:schemeClr val="tx1"/>
                     </a:solidFill>
@@ -36526,7 +36513,7 @@
                   </a14:hiddenLine>
                 </a:ext>
                 <a:ext uri="{AF507438-7753-43e0-B8FC-AC1667EBCBE1}">
-                  <a14:hiddenEffects xmlns="" xmlns:a14="http://schemas.microsoft.com/office/drawing/2010/main">
+                  <a14:hiddenEffects xmlns:a14="http://schemas.microsoft.com/office/drawing/2010/main" xmlns="">
                     <a:effectLst>
                       <a:outerShdw blurRad="63500" dist="38099" dir="2700000" algn="ctr" rotWithShape="0">
                         <a:schemeClr val="bg2">
@@ -36793,7 +36780,7 @@
               <a:effectLst/>
               <a:extLst>
                 <a:ext uri="{91240B29-F687-4f45-9708-019B960494DF}">
-                  <a14:hiddenLine xmlns="" xmlns:a14="http://schemas.microsoft.com/office/drawing/2010/main" w="9525">
+                  <a14:hiddenLine xmlns:a14="http://schemas.microsoft.com/office/drawing/2010/main" xmlns="" w="9525">
                     <a:solidFill>
                       <a:schemeClr val="tx1"/>
                     </a:solidFill>
@@ -36803,7 +36790,7 @@
                   </a14:hiddenLine>
                 </a:ext>
                 <a:ext uri="{AF507438-7753-43e0-B8FC-AC1667EBCBE1}">
-                  <a14:hiddenEffects xmlns="" xmlns:a14="http://schemas.microsoft.com/office/drawing/2010/main">
+                  <a14:hiddenEffects xmlns:a14="http://schemas.microsoft.com/office/drawing/2010/main" xmlns="">
                     <a:effectLst>
                       <a:outerShdw blurRad="63500" dist="38099" dir="2700000" algn="ctr" rotWithShape="0">
                         <a:schemeClr val="bg2">
@@ -36897,7 +36884,7 @@
               <a:effectLst/>
               <a:extLst>
                 <a:ext uri="{91240B29-F687-4f45-9708-019B960494DF}">
-                  <a14:hiddenLine xmlns="" xmlns:a14="http://schemas.microsoft.com/office/drawing/2010/main" w="9525">
+                  <a14:hiddenLine xmlns:a14="http://schemas.microsoft.com/office/drawing/2010/main" xmlns="" w="9525">
                     <a:solidFill>
                       <a:schemeClr val="tx1"/>
                     </a:solidFill>
@@ -36907,7 +36894,7 @@
                   </a14:hiddenLine>
                 </a:ext>
                 <a:ext uri="{AF507438-7753-43e0-B8FC-AC1667EBCBE1}">
-                  <a14:hiddenEffects xmlns="" xmlns:a14="http://schemas.microsoft.com/office/drawing/2010/main">
+                  <a14:hiddenEffects xmlns:a14="http://schemas.microsoft.com/office/drawing/2010/main" xmlns="">
                     <a:effectLst>
                       <a:outerShdw blurRad="63500" dist="38099" dir="2700000" algn="ctr" rotWithShape="0">
                         <a:schemeClr val="bg2">
@@ -37005,7 +36992,7 @@
             <a:effectLst/>
             <a:extLst>
               <a:ext uri="{AF507438-7753-43e0-B8FC-AC1667EBCBE1}">
-                <a14:hiddenEffects xmlns="" xmlns:a14="http://schemas.microsoft.com/office/drawing/2010/main">
+                <a14:hiddenEffects xmlns:a14="http://schemas.microsoft.com/office/drawing/2010/main" xmlns="">
                   <a:effectLst>
                     <a:outerShdw blurRad="63500" dist="38099" dir="2700000" algn="ctr" rotWithShape="0">
                       <a:schemeClr val="bg2">
@@ -37408,7 +37395,7 @@
             <a:effectLst/>
             <a:extLst>
               <a:ext uri="{91240B29-F687-4f45-9708-019B960494DF}">
-                <a14:hiddenLine xmlns="" xmlns:a14="http://schemas.microsoft.com/office/drawing/2010/main" w="9525">
+                <a14:hiddenLine xmlns:a14="http://schemas.microsoft.com/office/drawing/2010/main" xmlns="" w="9525">
                   <a:solidFill>
                     <a:schemeClr val="tx1"/>
                   </a:solidFill>
@@ -37418,7 +37405,7 @@
                 </a14:hiddenLine>
               </a:ext>
               <a:ext uri="{AF507438-7753-43e0-B8FC-AC1667EBCBE1}">
-                <a14:hiddenEffects xmlns="" xmlns:a14="http://schemas.microsoft.com/office/drawing/2010/main">
+                <a14:hiddenEffects xmlns:a14="http://schemas.microsoft.com/office/drawing/2010/main" xmlns="">
                   <a:effectLst>
                     <a:outerShdw blurRad="63500" dist="38099" dir="2700000" algn="ctr" rotWithShape="0">
                       <a:schemeClr val="bg2">
@@ -37651,7 +37638,7 @@
             <a:effectLst/>
             <a:extLst>
               <a:ext uri="{AF507438-7753-43e0-B8FC-AC1667EBCBE1}">
-                <a14:hiddenEffects xmlns="" xmlns:a14="http://schemas.microsoft.com/office/drawing/2010/main">
+                <a14:hiddenEffects xmlns:a14="http://schemas.microsoft.com/office/drawing/2010/main" xmlns="">
                   <a:effectLst>
                     <a:outerShdw blurRad="63500" dist="38099" dir="2700000" algn="ctr" rotWithShape="0">
                       <a:schemeClr val="bg2">
@@ -37747,7 +37734,7 @@
             <a:effectLst/>
             <a:extLst>
               <a:ext uri="{AF507438-7753-43e0-B8FC-AC1667EBCBE1}">
-                <a14:hiddenEffects xmlns="" xmlns:a14="http://schemas.microsoft.com/office/drawing/2010/main">
+                <a14:hiddenEffects xmlns:a14="http://schemas.microsoft.com/office/drawing/2010/main" xmlns="">
                   <a:effectLst>
                     <a:outerShdw blurRad="63500" dist="38099" dir="2700000" algn="ctr" rotWithShape="0">
                       <a:schemeClr val="bg2">
@@ -37828,7 +37815,7 @@
             <a:effectLst/>
             <a:extLst>
               <a:ext uri="{91240B29-F687-4f45-9708-019B960494DF}">
-                <a14:hiddenLine xmlns="" xmlns:a14="http://schemas.microsoft.com/office/drawing/2010/main" w="9525">
+                <a14:hiddenLine xmlns:a14="http://schemas.microsoft.com/office/drawing/2010/main" xmlns="" w="9525">
                   <a:solidFill>
                     <a:schemeClr val="tx1"/>
                   </a:solidFill>
@@ -37838,7 +37825,7 @@
                 </a14:hiddenLine>
               </a:ext>
               <a:ext uri="{AF507438-7753-43e0-B8FC-AC1667EBCBE1}">
-                <a14:hiddenEffects xmlns="" xmlns:a14="http://schemas.microsoft.com/office/drawing/2010/main">
+                <a14:hiddenEffects xmlns:a14="http://schemas.microsoft.com/office/drawing/2010/main" xmlns="">
                   <a:effectLst>
                     <a:outerShdw blurRad="63500" dist="38099" dir="2700000" algn="ctr" rotWithShape="0">
                       <a:schemeClr val="bg2">
@@ -37919,7 +37906,7 @@
             <a:effectLst/>
             <a:extLst>
               <a:ext uri="{91240B29-F687-4f45-9708-019B960494DF}">
-                <a14:hiddenLine xmlns="" xmlns:a14="http://schemas.microsoft.com/office/drawing/2010/main" w="9525">
+                <a14:hiddenLine xmlns:a14="http://schemas.microsoft.com/office/drawing/2010/main" xmlns="" w="9525">
                   <a:solidFill>
                     <a:schemeClr val="tx1"/>
                   </a:solidFill>
@@ -37929,7 +37916,7 @@
                 </a14:hiddenLine>
               </a:ext>
               <a:ext uri="{AF507438-7753-43e0-B8FC-AC1667EBCBE1}">
-                <a14:hiddenEffects xmlns="" xmlns:a14="http://schemas.microsoft.com/office/drawing/2010/main">
+                <a14:hiddenEffects xmlns:a14="http://schemas.microsoft.com/office/drawing/2010/main" xmlns="">
                   <a:effectLst>
                     <a:outerShdw blurRad="63500" dist="38099" dir="2700000" algn="ctr" rotWithShape="0">
                       <a:schemeClr val="bg2">
@@ -38010,7 +37997,7 @@
             <a:effectLst/>
             <a:extLst>
               <a:ext uri="{91240B29-F687-4f45-9708-019B960494DF}">
-                <a14:hiddenLine xmlns="" xmlns:a14="http://schemas.microsoft.com/office/drawing/2010/main" w="9525">
+                <a14:hiddenLine xmlns:a14="http://schemas.microsoft.com/office/drawing/2010/main" xmlns="" w="9525">
                   <a:solidFill>
                     <a:schemeClr val="tx1"/>
                   </a:solidFill>
@@ -38020,7 +38007,7 @@
                 </a14:hiddenLine>
               </a:ext>
               <a:ext uri="{AF507438-7753-43e0-B8FC-AC1667EBCBE1}">
-                <a14:hiddenEffects xmlns="" xmlns:a14="http://schemas.microsoft.com/office/drawing/2010/main">
+                <a14:hiddenEffects xmlns:a14="http://schemas.microsoft.com/office/drawing/2010/main" xmlns="">
                   <a:effectLst>
                     <a:outerShdw blurRad="63500" dist="38099" dir="2700000" algn="ctr" rotWithShape="0">
                       <a:schemeClr val="bg2">
@@ -38106,7 +38093,7 @@
             <a:effectLst/>
             <a:extLst>
               <a:ext uri="{AF507438-7753-43e0-B8FC-AC1667EBCBE1}">
-                <a14:hiddenEffects xmlns="" xmlns:a14="http://schemas.microsoft.com/office/drawing/2010/main">
+                <a14:hiddenEffects xmlns:a14="http://schemas.microsoft.com/office/drawing/2010/main" xmlns="">
                   <a:effectLst>
                     <a:outerShdw blurRad="63500" dist="38099" dir="2700000" algn="ctr" rotWithShape="0">
                       <a:schemeClr val="bg2">
